--- a/aulas/modulo4/Módulo 4 - Webservices.pptx
+++ b/aulas/modulo4/Módulo 4 - Webservices.pptx
@@ -353,7 +353,7 @@
             <a:fld id="{B61BEF0D-F0BB-DE4B-95CE-6DB70DBA9567}" type="datetimeFigureOut">
               <a:rPr lang="en-US" dirty="0"/>
               <a:pPr/>
-              <a:t>5/29/2017</a:t>
+              <a:t>5/30/2017</a:t>
             </a:fld>
             <a:endParaRPr lang="en-US" dirty="0"/>
           </a:p>
@@ -684,7 +684,7 @@
             <a:fld id="{B61BEF0D-F0BB-DE4B-95CE-6DB70DBA9567}" type="datetimeFigureOut">
               <a:rPr lang="en-US" dirty="0"/>
               <a:pPr/>
-              <a:t>5/29/2017</a:t>
+              <a:t>5/30/2017</a:t>
             </a:fld>
             <a:endParaRPr lang="en-US" dirty="0"/>
           </a:p>
@@ -959,7 +959,7 @@
             <a:fld id="{B61BEF0D-F0BB-DE4B-95CE-6DB70DBA9567}" type="datetimeFigureOut">
               <a:rPr lang="en-US" dirty="0"/>
               <a:pPr/>
-              <a:t>5/29/2017</a:t>
+              <a:t>5/30/2017</a:t>
             </a:fld>
             <a:endParaRPr lang="en-US" dirty="0"/>
           </a:p>
@@ -1524,7 +1524,7 @@
             <a:fld id="{B61BEF0D-F0BB-DE4B-95CE-6DB70DBA9567}" type="datetimeFigureOut">
               <a:rPr lang="en-US" dirty="0"/>
               <a:pPr/>
-              <a:t>5/29/2017</a:t>
+              <a:t>5/30/2017</a:t>
             </a:fld>
             <a:endParaRPr lang="en-US" dirty="0"/>
           </a:p>
@@ -1799,7 +1799,7 @@
             <a:fld id="{B61BEF0D-F0BB-DE4B-95CE-6DB70DBA9567}" type="datetimeFigureOut">
               <a:rPr lang="en-US" dirty="0"/>
               <a:pPr/>
-              <a:t>5/29/2017</a:t>
+              <a:t>5/30/2017</a:t>
             </a:fld>
             <a:endParaRPr lang="en-US" dirty="0"/>
           </a:p>
@@ -2358,7 +2358,7 @@
             <a:fld id="{B61BEF0D-F0BB-DE4B-95CE-6DB70DBA9567}" type="datetimeFigureOut">
               <a:rPr lang="en-US" dirty="0"/>
               <a:pPr/>
-              <a:t>5/29/2017</a:t>
+              <a:t>5/30/2017</a:t>
             </a:fld>
             <a:endParaRPr lang="en-US" dirty="0"/>
           </a:p>
@@ -2682,7 +2682,7 @@
             <a:fld id="{B61BEF0D-F0BB-DE4B-95CE-6DB70DBA9567}" type="datetimeFigureOut">
               <a:rPr lang="en-US" dirty="0"/>
               <a:pPr/>
-              <a:t>5/29/2017</a:t>
+              <a:t>5/30/2017</a:t>
             </a:fld>
             <a:endParaRPr lang="en-US" dirty="0"/>
           </a:p>
@@ -2884,7 +2884,7 @@
             <a:fld id="{B61BEF0D-F0BB-DE4B-95CE-6DB70DBA9567}" type="datetimeFigureOut">
               <a:rPr lang="en-US" dirty="0"/>
               <a:pPr/>
-              <a:t>5/29/2017</a:t>
+              <a:t>5/30/2017</a:t>
             </a:fld>
             <a:endParaRPr lang="en-US" dirty="0"/>
           </a:p>
@@ -3091,7 +3091,7 @@
             <a:fld id="{B61BEF0D-F0BB-DE4B-95CE-6DB70DBA9567}" type="datetimeFigureOut">
               <a:rPr lang="en-US" dirty="0"/>
               <a:pPr/>
-              <a:t>5/29/2017</a:t>
+              <a:t>5/30/2017</a:t>
             </a:fld>
             <a:endParaRPr lang="en-US" dirty="0"/>
           </a:p>
@@ -3288,7 +3288,7 @@
             <a:fld id="{B61BEF0D-F0BB-DE4B-95CE-6DB70DBA9567}" type="datetimeFigureOut">
               <a:rPr lang="en-US" dirty="0"/>
               <a:pPr/>
-              <a:t>5/29/2017</a:t>
+              <a:t>5/30/2017</a:t>
             </a:fld>
             <a:endParaRPr lang="en-US" dirty="0"/>
           </a:p>
@@ -3561,7 +3561,7 @@
             <a:fld id="{B61BEF0D-F0BB-DE4B-95CE-6DB70DBA9567}" type="datetimeFigureOut">
               <a:rPr lang="en-US" dirty="0"/>
               <a:pPr/>
-              <a:t>5/29/2017</a:t>
+              <a:t>5/30/2017</a:t>
             </a:fld>
             <a:endParaRPr lang="en-US" dirty="0"/>
           </a:p>
@@ -3824,7 +3824,7 @@
             <a:fld id="{B61BEF0D-F0BB-DE4B-95CE-6DB70DBA9567}" type="datetimeFigureOut">
               <a:rPr lang="en-US" dirty="0"/>
               <a:pPr/>
-              <a:t>5/29/2017</a:t>
+              <a:t>5/30/2017</a:t>
             </a:fld>
             <a:endParaRPr lang="en-US" dirty="0"/>
           </a:p>
@@ -4195,7 +4195,7 @@
             <a:fld id="{B61BEF0D-F0BB-DE4B-95CE-6DB70DBA9567}" type="datetimeFigureOut">
               <a:rPr lang="en-US" dirty="0"/>
               <a:pPr/>
-              <a:t>5/29/2017</a:t>
+              <a:t>5/30/2017</a:t>
             </a:fld>
             <a:endParaRPr lang="en-US" dirty="0"/>
           </a:p>
@@ -4340,7 +4340,7 @@
             <a:fld id="{B61BEF0D-F0BB-DE4B-95CE-6DB70DBA9567}" type="datetimeFigureOut">
               <a:rPr lang="en-US" dirty="0"/>
               <a:pPr/>
-              <a:t>5/29/2017</a:t>
+              <a:t>5/30/2017</a:t>
             </a:fld>
             <a:endParaRPr lang="en-US" dirty="0"/>
           </a:p>
@@ -4462,7 +4462,7 @@
             <a:fld id="{B61BEF0D-F0BB-DE4B-95CE-6DB70DBA9567}" type="datetimeFigureOut">
               <a:rPr lang="en-US" dirty="0"/>
               <a:pPr/>
-              <a:t>5/29/2017</a:t>
+              <a:t>5/30/2017</a:t>
             </a:fld>
             <a:endParaRPr lang="en-US" dirty="0"/>
           </a:p>
@@ -4744,7 +4744,7 @@
             <a:fld id="{B61BEF0D-F0BB-DE4B-95CE-6DB70DBA9567}" type="datetimeFigureOut">
               <a:rPr lang="en-US" dirty="0"/>
               <a:pPr/>
-              <a:t>5/29/2017</a:t>
+              <a:t>5/30/2017</a:t>
             </a:fld>
             <a:endParaRPr lang="en-US" dirty="0"/>
           </a:p>
@@ -5065,7 +5065,7 @@
             <a:fld id="{B61BEF0D-F0BB-DE4B-95CE-6DB70DBA9567}" type="datetimeFigureOut">
               <a:rPr lang="en-US" dirty="0"/>
               <a:pPr/>
-              <a:t>5/29/2017</a:t>
+              <a:t>5/30/2017</a:t>
             </a:fld>
             <a:endParaRPr lang="en-US" dirty="0"/>
           </a:p>
@@ -5276,7 +5276,7 @@
             <a:fld id="{B61BEF0D-F0BB-DE4B-95CE-6DB70DBA9567}" type="datetimeFigureOut">
               <a:rPr lang="en-US" dirty="0"/>
               <a:pPr/>
-              <a:t>5/29/2017</a:t>
+              <a:t>5/30/2017</a:t>
             </a:fld>
             <a:endParaRPr lang="en-US" dirty="0"/>
           </a:p>

--- a/aulas/modulo4/Módulo 4 - Webservices.pptx
+++ b/aulas/modulo4/Módulo 4 - Webservices.pptx
@@ -17,6 +17,8 @@
     <p:sldId id="265" r:id="rId11"/>
     <p:sldId id="266" r:id="rId12"/>
     <p:sldId id="267" r:id="rId13"/>
+    <p:sldId id="268" r:id="rId14"/>
+    <p:sldId id="269" r:id="rId15"/>
   </p:sldIdLst>
   <p:sldSz cx="12192000" cy="6858000"/>
   <p:notesSz cx="6858000" cy="9144000"/>
@@ -6411,6 +6413,279 @@
 </p:sld>
 </file>
 
+<file path=ppt/slides/slide13.xml><?xml version="1.0" encoding="utf-8"?>
+<p:sld xmlns:a="http://schemas.openxmlformats.org/drawingml/2006/main" xmlns:r="http://schemas.openxmlformats.org/officeDocument/2006/relationships" xmlns:p="http://schemas.openxmlformats.org/presentationml/2006/main">
+  <p:cSld>
+    <p:spTree>
+      <p:nvGrpSpPr>
+        <p:cNvPr id="1" name=""/>
+        <p:cNvGrpSpPr/>
+        <p:nvPr/>
+      </p:nvGrpSpPr>
+      <p:grpSpPr>
+        <a:xfrm>
+          <a:off x="0" y="0"/>
+          <a:ext cx="0" cy="0"/>
+          <a:chOff x="0" y="0"/>
+          <a:chExt cx="0" cy="0"/>
+        </a:xfrm>
+      </p:grpSpPr>
+      <p:sp>
+        <p:nvSpPr>
+          <p:cNvPr id="2" name="Title 1"/>
+          <p:cNvSpPr>
+            <a:spLocks noGrp="1"/>
+          </p:cNvSpPr>
+          <p:nvPr>
+            <p:ph type="title"/>
+          </p:nvPr>
+        </p:nvSpPr>
+        <p:spPr>
+          <a:xfrm>
+            <a:off x="685801" y="609601"/>
+            <a:ext cx="10131425" cy="636104"/>
+          </a:xfrm>
+        </p:spPr>
+        <p:txBody>
+          <a:bodyPr>
+            <a:normAutofit fontScale="90000"/>
+          </a:bodyPr>
+          <a:lstStyle/>
+          <a:p>
+            <a:r>
+              <a:rPr lang="pt-BR" dirty="0"/>
+              <a:t>Dom – document object model</a:t>
+            </a:r>
+          </a:p>
+        </p:txBody>
+      </p:sp>
+      <p:sp>
+        <p:nvSpPr>
+          <p:cNvPr id="4" name="TextBox 3"/>
+          <p:cNvSpPr txBox="1"/>
+          <p:nvPr/>
+        </p:nvSpPr>
+        <p:spPr>
+          <a:xfrm>
+            <a:off x="1351722" y="1457739"/>
+            <a:ext cx="9465504" cy="3416320"/>
+          </a:xfrm>
+          <a:prstGeom prst="rect">
+            <a:avLst/>
+          </a:prstGeom>
+          <a:noFill/>
+        </p:spPr>
+        <p:txBody>
+          <a:bodyPr wrap="square" rtlCol="0">
+            <a:spAutoFit/>
+          </a:bodyPr>
+          <a:lstStyle/>
+          <a:p>
+            <a:r>
+              <a:rPr lang="pt-BR" sz="2400" dirty="0">
+                <a:latin typeface="Ubuntu" panose="020B0504030602030204" pitchFamily="34" charset="0"/>
+              </a:rPr>
+              <a:t>Essa API se baseia no arquivo como documento (da mesma forma como é feito com HTML), assim, é criado um objeto a partir da estrutura do arquivo. Nessa API, a hierarquia de dados é mais visível devido a sua relação ser externalizada em forma de objetos como Document, NodeList, Node, Element e Attribute.</a:t>
+            </a:r>
+          </a:p>
+          <a:p>
+            <a:endParaRPr lang="pt-BR" sz="2400" dirty="0">
+              <a:latin typeface="Ubuntu" panose="020B0504030602030204" pitchFamily="34" charset="0"/>
+            </a:endParaRPr>
+          </a:p>
+          <a:p>
+            <a:r>
+              <a:rPr lang="pt-BR" sz="2400" dirty="0">
+                <a:latin typeface="Ubuntu" panose="020B0504030602030204" pitchFamily="34" charset="0"/>
+              </a:rPr>
+              <a:t>Mas, por trás dos panos, há uso de SAX.</a:t>
+            </a:r>
+          </a:p>
+          <a:p>
+            <a:endParaRPr lang="pt-BR" sz="2400" dirty="0">
+              <a:latin typeface="Ubuntu" panose="020B0504030602030204" pitchFamily="34" charset="0"/>
+            </a:endParaRPr>
+          </a:p>
+          <a:p>
+            <a:pPr algn="ctr"/>
+            <a:r>
+              <a:rPr lang="pt-BR" sz="2400" dirty="0">
+                <a:latin typeface="Ubuntu" panose="020B0504030602030204" pitchFamily="34" charset="0"/>
+              </a:rPr>
+              <a:t>Dá uma olhada </a:t>
+            </a:r>
+            <a:r>
+              <a:rPr lang="pt-BR" sz="2400" dirty="0">
+                <a:latin typeface="Ubuntu" panose="020B0504030602030204" pitchFamily="34" charset="0"/>
+                <a:hlinkClick r:id="rId2"/>
+              </a:rPr>
+              <a:t>aqui</a:t>
+            </a:r>
+            <a:r>
+              <a:rPr lang="pt-BR" sz="2400" dirty="0">
+                <a:latin typeface="Ubuntu" panose="020B0504030602030204" pitchFamily="34" charset="0"/>
+              </a:rPr>
+              <a:t> pra ver como funciona</a:t>
+            </a:r>
+            <a:r>
+              <a:rPr lang="en-US" sz="2400" dirty="0">
+                <a:latin typeface="Ubuntu" panose="020B0504030602030204" pitchFamily="34" charset="0"/>
+              </a:rPr>
+              <a:t>.</a:t>
+            </a:r>
+          </a:p>
+        </p:txBody>
+      </p:sp>
+    </p:spTree>
+    <p:extLst>
+      <p:ext uri="{BB962C8B-B14F-4D97-AF65-F5344CB8AC3E}">
+        <p14:creationId xmlns:p14="http://schemas.microsoft.com/office/powerpoint/2010/main" val="3648479481"/>
+      </p:ext>
+    </p:extLst>
+  </p:cSld>
+  <p:clrMapOvr>
+    <a:masterClrMapping/>
+  </p:clrMapOvr>
+</p:sld>
+</file>
+
+<file path=ppt/slides/slide14.xml><?xml version="1.0" encoding="utf-8"?>
+<p:sld xmlns:a="http://schemas.openxmlformats.org/drawingml/2006/main" xmlns:r="http://schemas.openxmlformats.org/officeDocument/2006/relationships" xmlns:p="http://schemas.openxmlformats.org/presentationml/2006/main">
+  <p:cSld>
+    <p:spTree>
+      <p:nvGrpSpPr>
+        <p:cNvPr id="1" name=""/>
+        <p:cNvGrpSpPr/>
+        <p:nvPr/>
+      </p:nvGrpSpPr>
+      <p:grpSpPr>
+        <a:xfrm>
+          <a:off x="0" y="0"/>
+          <a:ext cx="0" cy="0"/>
+          <a:chOff x="0" y="0"/>
+          <a:chExt cx="0" cy="0"/>
+        </a:xfrm>
+      </p:grpSpPr>
+      <p:sp>
+        <p:nvSpPr>
+          <p:cNvPr id="2" name="Title 1"/>
+          <p:cNvSpPr>
+            <a:spLocks noGrp="1"/>
+          </p:cNvSpPr>
+          <p:nvPr>
+            <p:ph type="title"/>
+          </p:nvPr>
+        </p:nvSpPr>
+        <p:spPr>
+          <a:xfrm>
+            <a:off x="685801" y="609601"/>
+            <a:ext cx="10131425" cy="609600"/>
+          </a:xfrm>
+        </p:spPr>
+        <p:txBody>
+          <a:bodyPr>
+            <a:normAutofit fontScale="90000"/>
+          </a:bodyPr>
+          <a:lstStyle/>
+          <a:p>
+            <a:r>
+              <a:rPr lang="en-US" dirty="0"/>
+              <a:t>API </a:t>
+            </a:r>
+            <a:r>
+              <a:rPr lang="en-US" dirty="0" err="1"/>
+              <a:t>XStream</a:t>
+            </a:r>
+            <a:endParaRPr lang="pt-BR" dirty="0"/>
+          </a:p>
+        </p:txBody>
+      </p:sp>
+      <p:sp>
+        <p:nvSpPr>
+          <p:cNvPr id="4" name="TextBox 3"/>
+          <p:cNvSpPr txBox="1"/>
+          <p:nvPr/>
+        </p:nvSpPr>
+        <p:spPr>
+          <a:xfrm>
+            <a:off x="685801" y="1802296"/>
+            <a:ext cx="10883347" cy="2308324"/>
+          </a:xfrm>
+          <a:prstGeom prst="rect">
+            <a:avLst/>
+          </a:prstGeom>
+          <a:noFill/>
+        </p:spPr>
+        <p:txBody>
+          <a:bodyPr wrap="square" rtlCol="0">
+            <a:spAutoFit/>
+          </a:bodyPr>
+          <a:lstStyle/>
+          <a:p>
+            <a:r>
+              <a:rPr lang="en-US" sz="2400" dirty="0">
+                <a:latin typeface="Ubuntu" panose="020B0504030602030204" pitchFamily="34" charset="0"/>
+              </a:rPr>
+              <a:t>Com </a:t>
+            </a:r>
+            <a:r>
+              <a:rPr lang="en-US" sz="2400" dirty="0" err="1">
+                <a:latin typeface="Ubuntu" panose="020B0504030602030204" pitchFamily="34" charset="0"/>
+              </a:rPr>
+              <a:t>essa</a:t>
+            </a:r>
+            <a:r>
+              <a:rPr lang="en-US" sz="2400" dirty="0">
+                <a:latin typeface="Ubuntu" panose="020B0504030602030204" pitchFamily="34" charset="0"/>
+              </a:rPr>
+              <a:t> API </a:t>
+            </a:r>
+            <a:r>
+              <a:rPr lang="pt-BR" sz="2400" dirty="0">
+                <a:latin typeface="Ubuntu" panose="020B0504030602030204" pitchFamily="34" charset="0"/>
+              </a:rPr>
+              <a:t>é possível converter XML diretamente em um objeto java e o contrário também usando apenas algumas anotações. Isso porque essa API trata a evolução das API’s SAX e DOM com maturidade e orientação voltada a objetos escritos em Java.</a:t>
+            </a:r>
+          </a:p>
+          <a:p>
+            <a:endParaRPr lang="pt-BR" sz="2400" dirty="0">
+              <a:latin typeface="Ubuntu" panose="020B0504030602030204" pitchFamily="34" charset="0"/>
+            </a:endParaRPr>
+          </a:p>
+          <a:p>
+            <a:pPr algn="ctr"/>
+            <a:r>
+              <a:rPr lang="pt-BR" sz="2400" dirty="0">
+                <a:latin typeface="Ubuntu" panose="020B0504030602030204" pitchFamily="34" charset="0"/>
+              </a:rPr>
+              <a:t>Veja seu uso no projeto </a:t>
+            </a:r>
+            <a:r>
+              <a:rPr lang="pt-BR" sz="2400" dirty="0">
+                <a:latin typeface="Ubuntu" panose="020B0504030602030204" pitchFamily="34" charset="0"/>
+                <a:hlinkClick r:id="rId2"/>
+              </a:rPr>
+              <a:t>xstreamproj</a:t>
+            </a:r>
+            <a:endParaRPr lang="pt-BR" sz="2400" dirty="0">
+              <a:latin typeface="Ubuntu" panose="020B0504030602030204" pitchFamily="34" charset="0"/>
+            </a:endParaRPr>
+          </a:p>
+        </p:txBody>
+      </p:sp>
+    </p:spTree>
+    <p:extLst>
+      <p:ext uri="{BB962C8B-B14F-4D97-AF65-F5344CB8AC3E}">
+        <p14:creationId xmlns:p14="http://schemas.microsoft.com/office/powerpoint/2010/main" val="1984903945"/>
+      </p:ext>
+    </p:extLst>
+  </p:cSld>
+  <p:clrMapOvr>
+    <a:masterClrMapping/>
+  </p:clrMapOvr>
+</p:sld>
+</file>
+
 <file path=ppt/slides/slide2.xml><?xml version="1.0" encoding="utf-8"?>
 <p:sld xmlns:a="http://schemas.openxmlformats.org/drawingml/2006/main" xmlns:r="http://schemas.openxmlformats.org/officeDocument/2006/relationships" xmlns:p="http://schemas.openxmlformats.org/presentationml/2006/main">
   <p:cSld>

--- a/aulas/modulo4/Módulo 4 - Webservices.pptx
+++ b/aulas/modulo4/Módulo 4 - Webservices.pptx
@@ -355,7 +355,7 @@
             <a:fld id="{B61BEF0D-F0BB-DE4B-95CE-6DB70DBA9567}" type="datetimeFigureOut">
               <a:rPr lang="en-US" dirty="0"/>
               <a:pPr/>
-              <a:t>5/30/2017</a:t>
+              <a:t>6/1/2017</a:t>
             </a:fld>
             <a:endParaRPr lang="en-US" dirty="0"/>
           </a:p>
@@ -686,7 +686,7 @@
             <a:fld id="{B61BEF0D-F0BB-DE4B-95CE-6DB70DBA9567}" type="datetimeFigureOut">
               <a:rPr lang="en-US" dirty="0"/>
               <a:pPr/>
-              <a:t>5/30/2017</a:t>
+              <a:t>6/1/2017</a:t>
             </a:fld>
             <a:endParaRPr lang="en-US" dirty="0"/>
           </a:p>
@@ -961,7 +961,7 @@
             <a:fld id="{B61BEF0D-F0BB-DE4B-95CE-6DB70DBA9567}" type="datetimeFigureOut">
               <a:rPr lang="en-US" dirty="0"/>
               <a:pPr/>
-              <a:t>5/30/2017</a:t>
+              <a:t>6/1/2017</a:t>
             </a:fld>
             <a:endParaRPr lang="en-US" dirty="0"/>
           </a:p>
@@ -1526,7 +1526,7 @@
             <a:fld id="{B61BEF0D-F0BB-DE4B-95CE-6DB70DBA9567}" type="datetimeFigureOut">
               <a:rPr lang="en-US" dirty="0"/>
               <a:pPr/>
-              <a:t>5/30/2017</a:t>
+              <a:t>6/1/2017</a:t>
             </a:fld>
             <a:endParaRPr lang="en-US" dirty="0"/>
           </a:p>
@@ -1801,7 +1801,7 @@
             <a:fld id="{B61BEF0D-F0BB-DE4B-95CE-6DB70DBA9567}" type="datetimeFigureOut">
               <a:rPr lang="en-US" dirty="0"/>
               <a:pPr/>
-              <a:t>5/30/2017</a:t>
+              <a:t>6/1/2017</a:t>
             </a:fld>
             <a:endParaRPr lang="en-US" dirty="0"/>
           </a:p>
@@ -2360,7 +2360,7 @@
             <a:fld id="{B61BEF0D-F0BB-DE4B-95CE-6DB70DBA9567}" type="datetimeFigureOut">
               <a:rPr lang="en-US" dirty="0"/>
               <a:pPr/>
-              <a:t>5/30/2017</a:t>
+              <a:t>6/1/2017</a:t>
             </a:fld>
             <a:endParaRPr lang="en-US" dirty="0"/>
           </a:p>
@@ -2684,7 +2684,7 @@
             <a:fld id="{B61BEF0D-F0BB-DE4B-95CE-6DB70DBA9567}" type="datetimeFigureOut">
               <a:rPr lang="en-US" dirty="0"/>
               <a:pPr/>
-              <a:t>5/30/2017</a:t>
+              <a:t>6/1/2017</a:t>
             </a:fld>
             <a:endParaRPr lang="en-US" dirty="0"/>
           </a:p>
@@ -2886,7 +2886,7 @@
             <a:fld id="{B61BEF0D-F0BB-DE4B-95CE-6DB70DBA9567}" type="datetimeFigureOut">
               <a:rPr lang="en-US" dirty="0"/>
               <a:pPr/>
-              <a:t>5/30/2017</a:t>
+              <a:t>6/1/2017</a:t>
             </a:fld>
             <a:endParaRPr lang="en-US" dirty="0"/>
           </a:p>
@@ -3093,7 +3093,7 @@
             <a:fld id="{B61BEF0D-F0BB-DE4B-95CE-6DB70DBA9567}" type="datetimeFigureOut">
               <a:rPr lang="en-US" dirty="0"/>
               <a:pPr/>
-              <a:t>5/30/2017</a:t>
+              <a:t>6/1/2017</a:t>
             </a:fld>
             <a:endParaRPr lang="en-US" dirty="0"/>
           </a:p>
@@ -3290,7 +3290,7 @@
             <a:fld id="{B61BEF0D-F0BB-DE4B-95CE-6DB70DBA9567}" type="datetimeFigureOut">
               <a:rPr lang="en-US" dirty="0"/>
               <a:pPr/>
-              <a:t>5/30/2017</a:t>
+              <a:t>6/1/2017</a:t>
             </a:fld>
             <a:endParaRPr lang="en-US" dirty="0"/>
           </a:p>
@@ -3563,7 +3563,7 @@
             <a:fld id="{B61BEF0D-F0BB-DE4B-95CE-6DB70DBA9567}" type="datetimeFigureOut">
               <a:rPr lang="en-US" dirty="0"/>
               <a:pPr/>
-              <a:t>5/30/2017</a:t>
+              <a:t>6/1/2017</a:t>
             </a:fld>
             <a:endParaRPr lang="en-US" dirty="0"/>
           </a:p>
@@ -3826,7 +3826,7 @@
             <a:fld id="{B61BEF0D-F0BB-DE4B-95CE-6DB70DBA9567}" type="datetimeFigureOut">
               <a:rPr lang="en-US" dirty="0"/>
               <a:pPr/>
-              <a:t>5/30/2017</a:t>
+              <a:t>6/1/2017</a:t>
             </a:fld>
             <a:endParaRPr lang="en-US" dirty="0"/>
           </a:p>
@@ -4197,7 +4197,7 @@
             <a:fld id="{B61BEF0D-F0BB-DE4B-95CE-6DB70DBA9567}" type="datetimeFigureOut">
               <a:rPr lang="en-US" dirty="0"/>
               <a:pPr/>
-              <a:t>5/30/2017</a:t>
+              <a:t>6/1/2017</a:t>
             </a:fld>
             <a:endParaRPr lang="en-US" dirty="0"/>
           </a:p>
@@ -4342,7 +4342,7 @@
             <a:fld id="{B61BEF0D-F0BB-DE4B-95CE-6DB70DBA9567}" type="datetimeFigureOut">
               <a:rPr lang="en-US" dirty="0"/>
               <a:pPr/>
-              <a:t>5/30/2017</a:t>
+              <a:t>6/1/2017</a:t>
             </a:fld>
             <a:endParaRPr lang="en-US" dirty="0"/>
           </a:p>
@@ -4464,7 +4464,7 @@
             <a:fld id="{B61BEF0D-F0BB-DE4B-95CE-6DB70DBA9567}" type="datetimeFigureOut">
               <a:rPr lang="en-US" dirty="0"/>
               <a:pPr/>
-              <a:t>5/30/2017</a:t>
+              <a:t>6/1/2017</a:t>
             </a:fld>
             <a:endParaRPr lang="en-US" dirty="0"/>
           </a:p>
@@ -4746,7 +4746,7 @@
             <a:fld id="{B61BEF0D-F0BB-DE4B-95CE-6DB70DBA9567}" type="datetimeFigureOut">
               <a:rPr lang="en-US" dirty="0"/>
               <a:pPr/>
-              <a:t>5/30/2017</a:t>
+              <a:t>6/1/2017</a:t>
             </a:fld>
             <a:endParaRPr lang="en-US" dirty="0"/>
           </a:p>
@@ -5067,7 +5067,7 @@
             <a:fld id="{B61BEF0D-F0BB-DE4B-95CE-6DB70DBA9567}" type="datetimeFigureOut">
               <a:rPr lang="en-US" dirty="0"/>
               <a:pPr/>
-              <a:t>5/30/2017</a:t>
+              <a:t>6/1/2017</a:t>
             </a:fld>
             <a:endParaRPr lang="en-US" dirty="0"/>
           </a:p>
@@ -5278,7 +5278,7 @@
             <a:fld id="{B61BEF0D-F0BB-DE4B-95CE-6DB70DBA9567}" type="datetimeFigureOut">
               <a:rPr lang="en-US" dirty="0"/>
               <a:pPr/>
-              <a:t>5/30/2017</a:t>
+              <a:t>6/1/2017</a:t>
             </a:fld>
             <a:endParaRPr lang="en-US" dirty="0"/>
           </a:p>

--- a/aulas/modulo4/Módulo 4 - Webservices.pptx
+++ b/aulas/modulo4/Módulo 4 - Webservices.pptx
@@ -19,6 +19,17 @@
     <p:sldId id="267" r:id="rId13"/>
     <p:sldId id="268" r:id="rId14"/>
     <p:sldId id="269" r:id="rId15"/>
+    <p:sldId id="270" r:id="rId16"/>
+    <p:sldId id="271" r:id="rId17"/>
+    <p:sldId id="272" r:id="rId18"/>
+    <p:sldId id="273" r:id="rId19"/>
+    <p:sldId id="274" r:id="rId20"/>
+    <p:sldId id="275" r:id="rId21"/>
+    <p:sldId id="276" r:id="rId22"/>
+    <p:sldId id="277" r:id="rId23"/>
+    <p:sldId id="278" r:id="rId24"/>
+    <p:sldId id="279" r:id="rId25"/>
+    <p:sldId id="280" r:id="rId26"/>
   </p:sldIdLst>
   <p:sldSz cx="12192000" cy="6858000"/>
   <p:notesSz cx="6858000" cy="9144000"/>
@@ -355,7 +366,7 @@
             <a:fld id="{B61BEF0D-F0BB-DE4B-95CE-6DB70DBA9567}" type="datetimeFigureOut">
               <a:rPr lang="en-US" dirty="0"/>
               <a:pPr/>
-              <a:t>6/1/2017</a:t>
+              <a:t>6/13/2017</a:t>
             </a:fld>
             <a:endParaRPr lang="en-US" dirty="0"/>
           </a:p>
@@ -686,7 +697,7 @@
             <a:fld id="{B61BEF0D-F0BB-DE4B-95CE-6DB70DBA9567}" type="datetimeFigureOut">
               <a:rPr lang="en-US" dirty="0"/>
               <a:pPr/>
-              <a:t>6/1/2017</a:t>
+              <a:t>6/13/2017</a:t>
             </a:fld>
             <a:endParaRPr lang="en-US" dirty="0"/>
           </a:p>
@@ -961,7 +972,7 @@
             <a:fld id="{B61BEF0D-F0BB-DE4B-95CE-6DB70DBA9567}" type="datetimeFigureOut">
               <a:rPr lang="en-US" dirty="0"/>
               <a:pPr/>
-              <a:t>6/1/2017</a:t>
+              <a:t>6/13/2017</a:t>
             </a:fld>
             <a:endParaRPr lang="en-US" dirty="0"/>
           </a:p>
@@ -1526,7 +1537,7 @@
             <a:fld id="{B61BEF0D-F0BB-DE4B-95CE-6DB70DBA9567}" type="datetimeFigureOut">
               <a:rPr lang="en-US" dirty="0"/>
               <a:pPr/>
-              <a:t>6/1/2017</a:t>
+              <a:t>6/13/2017</a:t>
             </a:fld>
             <a:endParaRPr lang="en-US" dirty="0"/>
           </a:p>
@@ -1801,7 +1812,7 @@
             <a:fld id="{B61BEF0D-F0BB-DE4B-95CE-6DB70DBA9567}" type="datetimeFigureOut">
               <a:rPr lang="en-US" dirty="0"/>
               <a:pPr/>
-              <a:t>6/1/2017</a:t>
+              <a:t>6/13/2017</a:t>
             </a:fld>
             <a:endParaRPr lang="en-US" dirty="0"/>
           </a:p>
@@ -2360,7 +2371,7 @@
             <a:fld id="{B61BEF0D-F0BB-DE4B-95CE-6DB70DBA9567}" type="datetimeFigureOut">
               <a:rPr lang="en-US" dirty="0"/>
               <a:pPr/>
-              <a:t>6/1/2017</a:t>
+              <a:t>6/13/2017</a:t>
             </a:fld>
             <a:endParaRPr lang="en-US" dirty="0"/>
           </a:p>
@@ -2684,7 +2695,7 @@
             <a:fld id="{B61BEF0D-F0BB-DE4B-95CE-6DB70DBA9567}" type="datetimeFigureOut">
               <a:rPr lang="en-US" dirty="0"/>
               <a:pPr/>
-              <a:t>6/1/2017</a:t>
+              <a:t>6/13/2017</a:t>
             </a:fld>
             <a:endParaRPr lang="en-US" dirty="0"/>
           </a:p>
@@ -2886,7 +2897,7 @@
             <a:fld id="{B61BEF0D-F0BB-DE4B-95CE-6DB70DBA9567}" type="datetimeFigureOut">
               <a:rPr lang="en-US" dirty="0"/>
               <a:pPr/>
-              <a:t>6/1/2017</a:t>
+              <a:t>6/13/2017</a:t>
             </a:fld>
             <a:endParaRPr lang="en-US" dirty="0"/>
           </a:p>
@@ -3093,7 +3104,7 @@
             <a:fld id="{B61BEF0D-F0BB-DE4B-95CE-6DB70DBA9567}" type="datetimeFigureOut">
               <a:rPr lang="en-US" dirty="0"/>
               <a:pPr/>
-              <a:t>6/1/2017</a:t>
+              <a:t>6/13/2017</a:t>
             </a:fld>
             <a:endParaRPr lang="en-US" dirty="0"/>
           </a:p>
@@ -3290,7 +3301,7 @@
             <a:fld id="{B61BEF0D-F0BB-DE4B-95CE-6DB70DBA9567}" type="datetimeFigureOut">
               <a:rPr lang="en-US" dirty="0"/>
               <a:pPr/>
-              <a:t>6/1/2017</a:t>
+              <a:t>6/13/2017</a:t>
             </a:fld>
             <a:endParaRPr lang="en-US" dirty="0"/>
           </a:p>
@@ -3563,7 +3574,7 @@
             <a:fld id="{B61BEF0D-F0BB-DE4B-95CE-6DB70DBA9567}" type="datetimeFigureOut">
               <a:rPr lang="en-US" dirty="0"/>
               <a:pPr/>
-              <a:t>6/1/2017</a:t>
+              <a:t>6/13/2017</a:t>
             </a:fld>
             <a:endParaRPr lang="en-US" dirty="0"/>
           </a:p>
@@ -3826,7 +3837,7 @@
             <a:fld id="{B61BEF0D-F0BB-DE4B-95CE-6DB70DBA9567}" type="datetimeFigureOut">
               <a:rPr lang="en-US" dirty="0"/>
               <a:pPr/>
-              <a:t>6/1/2017</a:t>
+              <a:t>6/13/2017</a:t>
             </a:fld>
             <a:endParaRPr lang="en-US" dirty="0"/>
           </a:p>
@@ -4197,7 +4208,7 @@
             <a:fld id="{B61BEF0D-F0BB-DE4B-95CE-6DB70DBA9567}" type="datetimeFigureOut">
               <a:rPr lang="en-US" dirty="0"/>
               <a:pPr/>
-              <a:t>6/1/2017</a:t>
+              <a:t>6/13/2017</a:t>
             </a:fld>
             <a:endParaRPr lang="en-US" dirty="0"/>
           </a:p>
@@ -4342,7 +4353,7 @@
             <a:fld id="{B61BEF0D-F0BB-DE4B-95CE-6DB70DBA9567}" type="datetimeFigureOut">
               <a:rPr lang="en-US" dirty="0"/>
               <a:pPr/>
-              <a:t>6/1/2017</a:t>
+              <a:t>6/13/2017</a:t>
             </a:fld>
             <a:endParaRPr lang="en-US" dirty="0"/>
           </a:p>
@@ -4464,7 +4475,7 @@
             <a:fld id="{B61BEF0D-F0BB-DE4B-95CE-6DB70DBA9567}" type="datetimeFigureOut">
               <a:rPr lang="en-US" dirty="0"/>
               <a:pPr/>
-              <a:t>6/1/2017</a:t>
+              <a:t>6/13/2017</a:t>
             </a:fld>
             <a:endParaRPr lang="en-US" dirty="0"/>
           </a:p>
@@ -4746,7 +4757,7 @@
             <a:fld id="{B61BEF0D-F0BB-DE4B-95CE-6DB70DBA9567}" type="datetimeFigureOut">
               <a:rPr lang="en-US" dirty="0"/>
               <a:pPr/>
-              <a:t>6/1/2017</a:t>
+              <a:t>6/13/2017</a:t>
             </a:fld>
             <a:endParaRPr lang="en-US" dirty="0"/>
           </a:p>
@@ -5067,7 +5078,7 @@
             <a:fld id="{B61BEF0D-F0BB-DE4B-95CE-6DB70DBA9567}" type="datetimeFigureOut">
               <a:rPr lang="en-US" dirty="0"/>
               <a:pPr/>
-              <a:t>6/1/2017</a:t>
+              <a:t>6/13/2017</a:t>
             </a:fld>
             <a:endParaRPr lang="en-US" dirty="0"/>
           </a:p>
@@ -5278,7 +5289,7 @@
             <a:fld id="{B61BEF0D-F0BB-DE4B-95CE-6DB70DBA9567}" type="datetimeFigureOut">
               <a:rPr lang="en-US" dirty="0"/>
               <a:pPr/>
-              <a:t>6/1/2017</a:t>
+              <a:t>6/13/2017</a:t>
             </a:fld>
             <a:endParaRPr lang="en-US" dirty="0"/>
           </a:p>
@@ -6448,12 +6459,14 @@
         </p:spPr>
         <p:txBody>
           <a:bodyPr>
-            <a:normAutofit fontScale="90000"/>
+            <a:noAutofit/>
           </a:bodyPr>
           <a:lstStyle/>
           <a:p>
             <a:r>
-              <a:rPr lang="pt-BR" dirty="0"/>
+              <a:rPr lang="pt-BR" dirty="0">
+                <a:latin typeface="Ubuntu" panose="020B0504030602030204" pitchFamily="34" charset="0"/>
+              </a:rPr>
               <a:t>Dom – document object model</a:t>
             </a:r>
           </a:p>
@@ -6584,19 +6597,25 @@
         </p:spPr>
         <p:txBody>
           <a:bodyPr>
-            <a:normAutofit fontScale="90000"/>
+            <a:noAutofit/>
           </a:bodyPr>
           <a:lstStyle/>
           <a:p>
             <a:r>
-              <a:rPr lang="en-US" dirty="0"/>
+              <a:rPr lang="en-US" dirty="0">
+                <a:latin typeface="Ubuntu" panose="020B0504030602030204" pitchFamily="34" charset="0"/>
+              </a:rPr>
               <a:t>API </a:t>
             </a:r>
             <a:r>
-              <a:rPr lang="en-US" dirty="0" err="1"/>
+              <a:rPr lang="en-US" dirty="0" err="1">
+                <a:latin typeface="Ubuntu" panose="020B0504030602030204" pitchFamily="34" charset="0"/>
+              </a:rPr>
               <a:t>XStream</a:t>
             </a:r>
-            <a:endParaRPr lang="pt-BR" dirty="0"/>
+            <a:endParaRPr lang="pt-BR" dirty="0">
+              <a:latin typeface="Ubuntu" panose="020B0504030602030204" pitchFamily="34" charset="0"/>
+            </a:endParaRPr>
           </a:p>
         </p:txBody>
       </p:sp>
@@ -6677,6 +6696,491 @@
     <p:extLst>
       <p:ext uri="{BB962C8B-B14F-4D97-AF65-F5344CB8AC3E}">
         <p14:creationId xmlns:p14="http://schemas.microsoft.com/office/powerpoint/2010/main" val="1984903945"/>
+      </p:ext>
+    </p:extLst>
+  </p:cSld>
+  <p:clrMapOvr>
+    <a:masterClrMapping/>
+  </p:clrMapOvr>
+</p:sld>
+</file>
+
+<file path=ppt/slides/slide15.xml><?xml version="1.0" encoding="utf-8"?>
+<p:sld xmlns:a="http://schemas.openxmlformats.org/drawingml/2006/main" xmlns:r="http://schemas.openxmlformats.org/officeDocument/2006/relationships" xmlns:p="http://schemas.openxmlformats.org/presentationml/2006/main">
+  <p:cSld>
+    <p:spTree>
+      <p:nvGrpSpPr>
+        <p:cNvPr id="1" name=""/>
+        <p:cNvGrpSpPr/>
+        <p:nvPr/>
+      </p:nvGrpSpPr>
+      <p:grpSpPr>
+        <a:xfrm>
+          <a:off x="0" y="0"/>
+          <a:ext cx="0" cy="0"/>
+          <a:chOff x="0" y="0"/>
+          <a:chExt cx="0" cy="0"/>
+        </a:xfrm>
+      </p:grpSpPr>
+      <p:sp>
+        <p:nvSpPr>
+          <p:cNvPr id="2" name="Title 1"/>
+          <p:cNvSpPr>
+            <a:spLocks noGrp="1"/>
+          </p:cNvSpPr>
+          <p:nvPr>
+            <p:ph type="title"/>
+          </p:nvPr>
+        </p:nvSpPr>
+        <p:spPr/>
+        <p:txBody>
+          <a:bodyPr>
+            <a:normAutofit/>
+          </a:bodyPr>
+          <a:lstStyle/>
+          <a:p>
+            <a:r>
+              <a:rPr lang="pt-BR" dirty="0">
+                <a:latin typeface="Ubuntu" panose="020B0504030602030204" pitchFamily="34" charset="0"/>
+              </a:rPr>
+              <a:t>Expondo um xml com xstream</a:t>
+            </a:r>
+          </a:p>
+        </p:txBody>
+      </p:sp>
+      <p:sp>
+        <p:nvSpPr>
+          <p:cNvPr id="5" name="TextBox 4"/>
+          <p:cNvSpPr txBox="1"/>
+          <p:nvPr/>
+        </p:nvSpPr>
+        <p:spPr>
+          <a:xfrm>
+            <a:off x="1524000" y="2756452"/>
+            <a:ext cx="9293226" cy="1938992"/>
+          </a:xfrm>
+          <a:prstGeom prst="rect">
+            <a:avLst/>
+          </a:prstGeom>
+          <a:noFill/>
+        </p:spPr>
+        <p:txBody>
+          <a:bodyPr wrap="square" rtlCol="0">
+            <a:spAutoFit/>
+          </a:bodyPr>
+          <a:lstStyle/>
+          <a:p>
+            <a:r>
+              <a:rPr lang="pt-BR" sz="2400" dirty="0">
+                <a:latin typeface="Ubuntu" panose="020B0504030602030204" pitchFamily="34" charset="0"/>
+              </a:rPr>
+              <a:t>Com a API Xstream podemos acessar informações em um banco de dados, por exemplo, e disponibilizar através de requisições com urls personalizadas.</a:t>
+            </a:r>
+          </a:p>
+          <a:p>
+            <a:endParaRPr lang="pt-BR" sz="2400" dirty="0">
+              <a:latin typeface="Ubuntu" panose="020B0504030602030204" pitchFamily="34" charset="0"/>
+            </a:endParaRPr>
+          </a:p>
+          <a:p>
+            <a:pPr algn="ctr"/>
+            <a:r>
+              <a:rPr lang="pt-BR" sz="2400" dirty="0">
+                <a:latin typeface="Ubuntu" panose="020B0504030602030204" pitchFamily="34" charset="0"/>
+              </a:rPr>
+              <a:t>Dá uma olhada neste tutorial </a:t>
+            </a:r>
+            <a:r>
+              <a:rPr lang="pt-BR" sz="2400" dirty="0">
+                <a:latin typeface="Ubuntu" panose="020B0504030602030204" pitchFamily="34" charset="0"/>
+                <a:hlinkClick r:id="rId2"/>
+              </a:rPr>
+              <a:t>webxml</a:t>
+            </a:r>
+            <a:endParaRPr lang="pt-BR" sz="2400" dirty="0">
+              <a:latin typeface="Ubuntu" panose="020B0504030602030204" pitchFamily="34" charset="0"/>
+            </a:endParaRPr>
+          </a:p>
+        </p:txBody>
+      </p:sp>
+    </p:spTree>
+    <p:extLst>
+      <p:ext uri="{BB962C8B-B14F-4D97-AF65-F5344CB8AC3E}">
+        <p14:creationId xmlns:p14="http://schemas.microsoft.com/office/powerpoint/2010/main" val="345504426"/>
+      </p:ext>
+    </p:extLst>
+  </p:cSld>
+  <p:clrMapOvr>
+    <a:masterClrMapping/>
+  </p:clrMapOvr>
+</p:sld>
+</file>
+
+<file path=ppt/slides/slide16.xml><?xml version="1.0" encoding="utf-8"?>
+<p:sld xmlns:a="http://schemas.openxmlformats.org/drawingml/2006/main" xmlns:r="http://schemas.openxmlformats.org/officeDocument/2006/relationships" xmlns:p="http://schemas.openxmlformats.org/presentationml/2006/main">
+  <p:cSld>
+    <p:spTree>
+      <p:nvGrpSpPr>
+        <p:cNvPr id="1" name=""/>
+        <p:cNvGrpSpPr/>
+        <p:nvPr/>
+      </p:nvGrpSpPr>
+      <p:grpSpPr>
+        <a:xfrm>
+          <a:off x="0" y="0"/>
+          <a:ext cx="0" cy="0"/>
+          <a:chOff x="0" y="0"/>
+          <a:chExt cx="0" cy="0"/>
+        </a:xfrm>
+      </p:grpSpPr>
+      <p:sp>
+        <p:nvSpPr>
+          <p:cNvPr id="2" name="Title 1"/>
+          <p:cNvSpPr>
+            <a:spLocks noGrp="1"/>
+          </p:cNvSpPr>
+          <p:nvPr>
+            <p:ph type="title"/>
+          </p:nvPr>
+        </p:nvSpPr>
+        <p:spPr/>
+        <p:txBody>
+          <a:bodyPr/>
+          <a:lstStyle/>
+          <a:p>
+            <a:r>
+              <a:rPr lang="pt-BR" dirty="0"/>
+              <a:t>Consumindo um serviço xml em sua página</a:t>
+            </a:r>
+          </a:p>
+        </p:txBody>
+      </p:sp>
+      <p:sp>
+        <p:nvSpPr>
+          <p:cNvPr id="4" name="TextBox 3"/>
+          <p:cNvSpPr txBox="1"/>
+          <p:nvPr/>
+        </p:nvSpPr>
+        <p:spPr>
+          <a:xfrm>
+            <a:off x="1060174" y="2663687"/>
+            <a:ext cx="9978887" cy="1938992"/>
+          </a:xfrm>
+          <a:prstGeom prst="rect">
+            <a:avLst/>
+          </a:prstGeom>
+          <a:noFill/>
+        </p:spPr>
+        <p:txBody>
+          <a:bodyPr wrap="square" rtlCol="0">
+            <a:spAutoFit/>
+          </a:bodyPr>
+          <a:lstStyle/>
+          <a:p>
+            <a:r>
+              <a:rPr lang="pt-BR" sz="2400" dirty="0">
+                <a:latin typeface="Ubuntu" panose="020B0504030602030204" pitchFamily="34" charset="0"/>
+              </a:rPr>
+              <a:t>Nesse tutorial você pode ver como fazer uma webpage simples com html, css, javascript e jquery para consumir o XML disponibilizado por sua aplicação.</a:t>
+            </a:r>
+          </a:p>
+          <a:p>
+            <a:endParaRPr lang="pt-BR" sz="2400" dirty="0">
+              <a:latin typeface="Ubuntu" panose="020B0504030602030204" pitchFamily="34" charset="0"/>
+            </a:endParaRPr>
+          </a:p>
+          <a:p>
+            <a:pPr algn="ctr"/>
+            <a:r>
+              <a:rPr lang="pt-BR" sz="2400" dirty="0">
+                <a:latin typeface="Ubuntu" panose="020B0504030602030204" pitchFamily="34" charset="0"/>
+              </a:rPr>
+              <a:t>Olha aqui em </a:t>
+            </a:r>
+            <a:r>
+              <a:rPr lang="pt-BR" sz="2400" dirty="0">
+                <a:latin typeface="Ubuntu" panose="020B0504030602030204" pitchFamily="34" charset="0"/>
+                <a:hlinkClick r:id="rId2"/>
+              </a:rPr>
+              <a:t>frontconsumer</a:t>
+            </a:r>
+            <a:endParaRPr lang="pt-BR" sz="2400" dirty="0">
+              <a:latin typeface="Ubuntu" panose="020B0504030602030204" pitchFamily="34" charset="0"/>
+            </a:endParaRPr>
+          </a:p>
+        </p:txBody>
+      </p:sp>
+    </p:spTree>
+    <p:extLst>
+      <p:ext uri="{BB962C8B-B14F-4D97-AF65-F5344CB8AC3E}">
+        <p14:creationId xmlns:p14="http://schemas.microsoft.com/office/powerpoint/2010/main" val="2030455144"/>
+      </p:ext>
+    </p:extLst>
+  </p:cSld>
+  <p:clrMapOvr>
+    <a:masterClrMapping/>
+  </p:clrMapOvr>
+</p:sld>
+</file>
+
+<file path=ppt/slides/slide17.xml><?xml version="1.0" encoding="utf-8"?>
+<p:sld xmlns:a="http://schemas.openxmlformats.org/drawingml/2006/main" xmlns:r="http://schemas.openxmlformats.org/officeDocument/2006/relationships" xmlns:p="http://schemas.openxmlformats.org/presentationml/2006/main">
+  <p:cSld>
+    <p:spTree>
+      <p:nvGrpSpPr>
+        <p:cNvPr id="1" name=""/>
+        <p:cNvGrpSpPr/>
+        <p:nvPr/>
+      </p:nvGrpSpPr>
+      <p:grpSpPr>
+        <a:xfrm>
+          <a:off x="0" y="0"/>
+          <a:ext cx="0" cy="0"/>
+          <a:chOff x="0" y="0"/>
+          <a:chExt cx="0" cy="0"/>
+        </a:xfrm>
+      </p:grpSpPr>
+      <p:sp>
+        <p:nvSpPr>
+          <p:cNvPr id="2" name="Title 1"/>
+          <p:cNvSpPr>
+            <a:spLocks noGrp="1"/>
+          </p:cNvSpPr>
+          <p:nvPr>
+            <p:ph type="title"/>
+          </p:nvPr>
+        </p:nvSpPr>
+        <p:spPr/>
+        <p:txBody>
+          <a:bodyPr/>
+          <a:lstStyle/>
+          <a:p>
+            <a:r>
+              <a:rPr lang="pt-BR" dirty="0">
+                <a:latin typeface="Ubuntu" panose="020B0504030602030204" pitchFamily="34" charset="0"/>
+              </a:rPr>
+              <a:t>WEbservices</a:t>
+            </a:r>
+          </a:p>
+        </p:txBody>
+      </p:sp>
+      <p:sp>
+        <p:nvSpPr>
+          <p:cNvPr id="4" name="TextBox 3"/>
+          <p:cNvSpPr txBox="1"/>
+          <p:nvPr/>
+        </p:nvSpPr>
+        <p:spPr>
+          <a:xfrm>
+            <a:off x="1404730" y="2345635"/>
+            <a:ext cx="9412496" cy="1938992"/>
+          </a:xfrm>
+          <a:prstGeom prst="rect">
+            <a:avLst/>
+          </a:prstGeom>
+          <a:noFill/>
+        </p:spPr>
+        <p:txBody>
+          <a:bodyPr wrap="square" rtlCol="0">
+            <a:spAutoFit/>
+          </a:bodyPr>
+          <a:lstStyle/>
+          <a:p>
+            <a:r>
+              <a:rPr lang="pt-BR" sz="2400" dirty="0">
+                <a:latin typeface="Ubuntu" panose="020B0504030602030204" pitchFamily="34" charset="0"/>
+              </a:rPr>
+              <a:t>Até agora aprendemos como e pra que funciona um arquivo XML e como disponibiliza-lo através da API Xstream em um página da WEB, porém, ainda não temos o suficiente para que seja possível conhecer todos os serviços que podemos disponibilizar. Para isso seria necessária uma documentação.</a:t>
+            </a:r>
+          </a:p>
+        </p:txBody>
+      </p:sp>
+    </p:spTree>
+    <p:extLst>
+      <p:ext uri="{BB962C8B-B14F-4D97-AF65-F5344CB8AC3E}">
+        <p14:creationId xmlns:p14="http://schemas.microsoft.com/office/powerpoint/2010/main" val="443501903"/>
+      </p:ext>
+    </p:extLst>
+  </p:cSld>
+  <p:clrMapOvr>
+    <a:masterClrMapping/>
+  </p:clrMapOvr>
+</p:sld>
+</file>
+
+<file path=ppt/slides/slide18.xml><?xml version="1.0" encoding="utf-8"?>
+<p:sld xmlns:a="http://schemas.openxmlformats.org/drawingml/2006/main" xmlns:r="http://schemas.openxmlformats.org/officeDocument/2006/relationships" xmlns:p="http://schemas.openxmlformats.org/presentationml/2006/main">
+  <p:cSld>
+    <p:spTree>
+      <p:nvGrpSpPr>
+        <p:cNvPr id="1" name=""/>
+        <p:cNvGrpSpPr/>
+        <p:nvPr/>
+      </p:nvGrpSpPr>
+      <p:grpSpPr>
+        <a:xfrm>
+          <a:off x="0" y="0"/>
+          <a:ext cx="0" cy="0"/>
+          <a:chOff x="0" y="0"/>
+          <a:chExt cx="0" cy="0"/>
+        </a:xfrm>
+      </p:grpSpPr>
+      <p:sp>
+        <p:nvSpPr>
+          <p:cNvPr id="2" name="Title 1"/>
+          <p:cNvSpPr>
+            <a:spLocks noGrp="1"/>
+          </p:cNvSpPr>
+          <p:nvPr>
+            <p:ph type="title"/>
+          </p:nvPr>
+        </p:nvSpPr>
+        <p:spPr/>
+        <p:txBody>
+          <a:bodyPr/>
+          <a:lstStyle/>
+          <a:p>
+            <a:r>
+              <a:rPr lang="pt-BR" dirty="0">
+                <a:latin typeface="Ubuntu" panose="020B0504030602030204" pitchFamily="34" charset="0"/>
+              </a:rPr>
+              <a:t>Documentações</a:t>
+            </a:r>
+          </a:p>
+        </p:txBody>
+      </p:sp>
+      <p:sp>
+        <p:nvSpPr>
+          <p:cNvPr id="4" name="TextBox 3"/>
+          <p:cNvSpPr txBox="1"/>
+          <p:nvPr/>
+        </p:nvSpPr>
+        <p:spPr>
+          <a:xfrm>
+            <a:off x="1192696" y="2544417"/>
+            <a:ext cx="9886121" cy="1938992"/>
+          </a:xfrm>
+          <a:prstGeom prst="rect">
+            <a:avLst/>
+          </a:prstGeom>
+          <a:noFill/>
+        </p:spPr>
+        <p:txBody>
+          <a:bodyPr wrap="square" rtlCol="0">
+            <a:spAutoFit/>
+          </a:bodyPr>
+          <a:lstStyle/>
+          <a:p>
+            <a:r>
+              <a:rPr lang="pt-BR" sz="2400" dirty="0">
+                <a:latin typeface="Ubuntu" panose="020B0504030602030204" pitchFamily="34" charset="0"/>
+              </a:rPr>
+              <a:t>Documentações podem ser um problema no que diz respeito a tempo e atualização. Para acabar com isso de vez e manter foco na identidade dos serviços, foi implementado SOAP (Simple Object  Access Protocol) o qual descreve, de maneira ampla, como deve funcionar um serviço e como expor ele de forma prática.</a:t>
+            </a:r>
+          </a:p>
+        </p:txBody>
+      </p:sp>
+    </p:spTree>
+    <p:extLst>
+      <p:ext uri="{BB962C8B-B14F-4D97-AF65-F5344CB8AC3E}">
+        <p14:creationId xmlns:p14="http://schemas.microsoft.com/office/powerpoint/2010/main" val="3376280053"/>
+      </p:ext>
+    </p:extLst>
+  </p:cSld>
+  <p:clrMapOvr>
+    <a:masterClrMapping/>
+  </p:clrMapOvr>
+</p:sld>
+</file>
+
+<file path=ppt/slides/slide19.xml><?xml version="1.0" encoding="utf-8"?>
+<p:sld xmlns:a="http://schemas.openxmlformats.org/drawingml/2006/main" xmlns:r="http://schemas.openxmlformats.org/officeDocument/2006/relationships" xmlns:p="http://schemas.openxmlformats.org/presentationml/2006/main">
+  <p:cSld>
+    <p:spTree>
+      <p:nvGrpSpPr>
+        <p:cNvPr id="1" name=""/>
+        <p:cNvGrpSpPr/>
+        <p:nvPr/>
+      </p:nvGrpSpPr>
+      <p:grpSpPr>
+        <a:xfrm>
+          <a:off x="0" y="0"/>
+          <a:ext cx="0" cy="0"/>
+          <a:chOff x="0" y="0"/>
+          <a:chExt cx="0" cy="0"/>
+        </a:xfrm>
+      </p:grpSpPr>
+      <p:sp>
+        <p:nvSpPr>
+          <p:cNvPr id="2" name="Title 1"/>
+          <p:cNvSpPr>
+            <a:spLocks noGrp="1"/>
+          </p:cNvSpPr>
+          <p:nvPr>
+            <p:ph type="title"/>
+          </p:nvPr>
+        </p:nvSpPr>
+        <p:spPr/>
+        <p:txBody>
+          <a:bodyPr/>
+          <a:lstStyle/>
+          <a:p>
+            <a:r>
+              <a:rPr lang="pt-BR" dirty="0">
+                <a:latin typeface="Ubuntu" panose="020B0504030602030204" pitchFamily="34" charset="0"/>
+              </a:rPr>
+              <a:t>“expor” é a palavra chave</a:t>
+            </a:r>
+          </a:p>
+        </p:txBody>
+      </p:sp>
+      <p:sp>
+        <p:nvSpPr>
+          <p:cNvPr id="4" name="TextBox 3"/>
+          <p:cNvSpPr txBox="1"/>
+          <p:nvPr/>
+        </p:nvSpPr>
+        <p:spPr>
+          <a:xfrm>
+            <a:off x="1073426" y="2491409"/>
+            <a:ext cx="9978887" cy="2308324"/>
+          </a:xfrm>
+          <a:prstGeom prst="rect">
+            <a:avLst/>
+          </a:prstGeom>
+          <a:noFill/>
+        </p:spPr>
+        <p:txBody>
+          <a:bodyPr wrap="square" rtlCol="0">
+            <a:spAutoFit/>
+          </a:bodyPr>
+          <a:lstStyle/>
+          <a:p>
+            <a:r>
+              <a:rPr lang="pt-BR" sz="2400" dirty="0">
+                <a:latin typeface="Ubuntu" panose="020B0504030602030204" pitchFamily="34" charset="0"/>
+              </a:rPr>
+              <a:t>O segredo por trás do SOAP é que o serviço pode ser descoberto junto com todos os outros através de uma única URL, usando UDDI(</a:t>
+            </a:r>
+            <a:r>
+              <a:rPr lang="en-US" sz="2400" dirty="0">
+                <a:latin typeface="Ubuntu" panose="020B0504030602030204" pitchFamily="34" charset="0"/>
+              </a:rPr>
+              <a:t>Universal Description, Discovery, and Integration</a:t>
+            </a:r>
+            <a:r>
+              <a:rPr lang="pt-BR" sz="2400" dirty="0">
+                <a:latin typeface="Ubuntu" panose="020B0504030602030204" pitchFamily="34" charset="0"/>
+              </a:rPr>
+              <a:t> ), assim, fica mais prático manter o usuário atualizado. Além disso, é possível especificar um arquivo que serve como documentação e espelho do serviço: o arquivo no formato WSDL(Web Services Description Language)</a:t>
+            </a:r>
+          </a:p>
+        </p:txBody>
+      </p:sp>
+    </p:spTree>
+    <p:extLst>
+      <p:ext uri="{BB962C8B-B14F-4D97-AF65-F5344CB8AC3E}">
+        <p14:creationId xmlns:p14="http://schemas.microsoft.com/office/powerpoint/2010/main" val="2466694416"/>
       </p:ext>
     </p:extLst>
   </p:cSld>
@@ -6770,6 +7274,1652 @@
     <p:extLst>
       <p:ext uri="{BB962C8B-B14F-4D97-AF65-F5344CB8AC3E}">
         <p14:creationId xmlns:p14="http://schemas.microsoft.com/office/powerpoint/2010/main" val="343792367"/>
+      </p:ext>
+    </p:extLst>
+  </p:cSld>
+  <p:clrMapOvr>
+    <a:masterClrMapping/>
+  </p:clrMapOvr>
+</p:sld>
+</file>
+
+<file path=ppt/slides/slide20.xml><?xml version="1.0" encoding="utf-8"?>
+<p:sld xmlns:a="http://schemas.openxmlformats.org/drawingml/2006/main" xmlns:r="http://schemas.openxmlformats.org/officeDocument/2006/relationships" xmlns:p="http://schemas.openxmlformats.org/presentationml/2006/main">
+  <p:cSld>
+    <p:spTree>
+      <p:nvGrpSpPr>
+        <p:cNvPr id="1" name=""/>
+        <p:cNvGrpSpPr/>
+        <p:nvPr/>
+      </p:nvGrpSpPr>
+      <p:grpSpPr>
+        <a:xfrm>
+          <a:off x="0" y="0"/>
+          <a:ext cx="0" cy="0"/>
+          <a:chOff x="0" y="0"/>
+          <a:chExt cx="0" cy="0"/>
+        </a:xfrm>
+      </p:grpSpPr>
+      <p:sp>
+        <p:nvSpPr>
+          <p:cNvPr id="100" name="Rectangle 99"/>
+          <p:cNvSpPr>
+            <a:spLocks noGrp="1" noRot="1" noChangeAspect="1" noMove="1" noResize="1" noEditPoints="1" noAdjustHandles="1" noChangeArrowheads="1" noChangeShapeType="1" noTextEdit="1"/>
+          </p:cNvSpPr>
+          <p:nvPr>
+            <p:extLst>
+              <p:ext uri="{386F3935-93C4-4BCD-93E2-E3B085C9AB24}">
+                <p16:designElem xmlns:p16="http://schemas.microsoft.com/office/powerpoint/2015/main" val="1"/>
+              </p:ext>
+            </p:extLst>
+          </p:nvPr>
+        </p:nvSpPr>
+        <p:spPr bwMode="white">
+          <a:xfrm>
+            <a:off x="0" y="0"/>
+            <a:ext cx="12192000" cy="6858000"/>
+          </a:xfrm>
+          <a:prstGeom prst="rect">
+            <a:avLst/>
+          </a:prstGeom>
+          <a:blipFill>
+            <a:blip r:embed="rId2"/>
+            <a:stretch/>
+          </a:blipFill>
+          <a:ln>
+            <a:noFill/>
+          </a:ln>
+          <a:effectLst/>
+        </p:spPr>
+      </p:sp>
+      <p:pic>
+        <p:nvPicPr>
+          <p:cNvPr id="102" name="Picture 101"/>
+          <p:cNvPicPr>
+            <a:picLocks noGrp="1" noRot="1" noChangeAspect="1" noMove="1" noResize="1" noEditPoints="1" noAdjustHandles="1" noChangeArrowheads="1" noChangeShapeType="1" noCrop="1"/>
+          </p:cNvPicPr>
+          <p:nvPr>
+            <p:extLst>
+              <p:ext uri="{386F3935-93C4-4BCD-93E2-E3B085C9AB24}">
+                <p16:designElem xmlns:p16="http://schemas.microsoft.com/office/powerpoint/2015/main" val="1"/>
+              </p:ext>
+            </p:extLst>
+          </p:nvPr>
+        </p:nvPicPr>
+        <p:blipFill>
+          <a:blip r:embed="rId3">
+            <a:extLst>
+              <a:ext uri="{28A0092B-C50C-407E-A947-70E740481C1C}">
+                <a14:useLocalDpi xmlns:a14="http://schemas.microsoft.com/office/drawing/2010/main" val="0"/>
+              </a:ext>
+            </a:extLst>
+          </a:blip>
+          <a:stretch>
+            <a:fillRect/>
+          </a:stretch>
+        </p:blipFill>
+        <p:spPr>
+          <a:xfrm>
+            <a:off x="0" y="0"/>
+            <a:ext cx="12188825" cy="6856214"/>
+          </a:xfrm>
+          <a:prstGeom prst="rect">
+            <a:avLst/>
+          </a:prstGeom>
+        </p:spPr>
+      </p:pic>
+      <p:pic>
+        <p:nvPicPr>
+          <p:cNvPr id="4" name="Picture 3"/>
+          <p:cNvPicPr>
+            <a:picLocks noChangeAspect="1"/>
+          </p:cNvPicPr>
+          <p:nvPr/>
+        </p:nvPicPr>
+        <p:blipFill>
+          <a:blip r:embed="rId4"/>
+          <a:stretch>
+            <a:fillRect/>
+          </a:stretch>
+        </p:blipFill>
+        <p:spPr>
+          <a:xfrm>
+            <a:off x="178021" y="1534435"/>
+            <a:ext cx="11790637" cy="4972382"/>
+          </a:xfrm>
+          <a:prstGeom prst="roundRect">
+            <a:avLst>
+              <a:gd name="adj" fmla="val 4380"/>
+            </a:avLst>
+          </a:prstGeom>
+          <a:ln w="50800" cap="sq" cmpd="dbl">
+            <a:gradFill flip="none" rotWithShape="1">
+              <a:gsLst>
+                <a:gs pos="0">
+                  <a:srgbClr val="FFFFFF"/>
+                </a:gs>
+                <a:gs pos="100000">
+                  <a:schemeClr val="tx1">
+                    <a:alpha val="0"/>
+                  </a:schemeClr>
+                </a:gs>
+              </a:gsLst>
+              <a:path path="circle">
+                <a:fillToRect l="50000" t="50000" r="50000" b="50000"/>
+              </a:path>
+              <a:tileRect/>
+            </a:gradFill>
+            <a:miter lim="800000"/>
+          </a:ln>
+          <a:effectLst>
+            <a:outerShdw blurRad="254000" algn="tl" rotWithShape="0">
+              <a:srgbClr val="000000">
+                <a:alpha val="43000"/>
+              </a:srgbClr>
+            </a:outerShdw>
+          </a:effectLst>
+        </p:spPr>
+      </p:pic>
+      <p:sp>
+        <p:nvSpPr>
+          <p:cNvPr id="2" name="Title 1"/>
+          <p:cNvSpPr>
+            <a:spLocks noGrp="1"/>
+          </p:cNvSpPr>
+          <p:nvPr>
+            <p:ph type="title"/>
+          </p:nvPr>
+        </p:nvSpPr>
+        <p:spPr>
+          <a:xfrm>
+            <a:off x="474652" y="384063"/>
+            <a:ext cx="10905069" cy="689364"/>
+          </a:xfrm>
+        </p:spPr>
+        <p:txBody>
+          <a:bodyPr vert="horz" lIns="91440" tIns="45720" rIns="91440" bIns="45720" rtlCol="0" anchor="b">
+            <a:normAutofit/>
+          </a:bodyPr>
+          <a:lstStyle/>
+          <a:p>
+            <a:r>
+              <a:rPr lang="en-US" dirty="0" err="1">
+                <a:latin typeface="Ubuntu" panose="020B0504030602030204" pitchFamily="34" charset="0"/>
+              </a:rPr>
+              <a:t>Exemplo</a:t>
+            </a:r>
+            <a:r>
+              <a:rPr lang="en-US" dirty="0">
+                <a:latin typeface="Ubuntu" panose="020B0504030602030204" pitchFamily="34" charset="0"/>
+              </a:rPr>
+              <a:t> de </a:t>
+            </a:r>
+            <a:r>
+              <a:rPr lang="en-US" dirty="0" err="1">
+                <a:latin typeface="Ubuntu" panose="020B0504030602030204" pitchFamily="34" charset="0"/>
+              </a:rPr>
+              <a:t>wsdl</a:t>
+            </a:r>
+            <a:endParaRPr lang="en-US" dirty="0">
+              <a:latin typeface="Ubuntu" panose="020B0504030602030204" pitchFamily="34" charset="0"/>
+            </a:endParaRPr>
+          </a:p>
+        </p:txBody>
+      </p:sp>
+    </p:spTree>
+    <p:extLst>
+      <p:ext uri="{BB962C8B-B14F-4D97-AF65-F5344CB8AC3E}">
+        <p14:creationId xmlns:p14="http://schemas.microsoft.com/office/powerpoint/2010/main" val="1161221062"/>
+      </p:ext>
+    </p:extLst>
+  </p:cSld>
+  <p:clrMapOvr>
+    <a:masterClrMapping/>
+  </p:clrMapOvr>
+</p:sld>
+</file>
+
+<file path=ppt/slides/slide21.xml><?xml version="1.0" encoding="utf-8"?>
+<p:sld xmlns:a="http://schemas.openxmlformats.org/drawingml/2006/main" xmlns:r="http://schemas.openxmlformats.org/officeDocument/2006/relationships" xmlns:p="http://schemas.openxmlformats.org/presentationml/2006/main">
+  <p:cSld>
+    <p:spTree>
+      <p:nvGrpSpPr>
+        <p:cNvPr id="1" name=""/>
+        <p:cNvGrpSpPr/>
+        <p:nvPr/>
+      </p:nvGrpSpPr>
+      <p:grpSpPr>
+        <a:xfrm>
+          <a:off x="0" y="0"/>
+          <a:ext cx="0" cy="0"/>
+          <a:chOff x="0" y="0"/>
+          <a:chExt cx="0" cy="0"/>
+        </a:xfrm>
+      </p:grpSpPr>
+      <p:sp>
+        <p:nvSpPr>
+          <p:cNvPr id="4" name="Rectangle 1"/>
+          <p:cNvSpPr>
+            <a:spLocks noChangeArrowheads="1"/>
+          </p:cNvSpPr>
+          <p:nvPr/>
+        </p:nvSpPr>
+        <p:spPr bwMode="auto">
+          <a:xfrm>
+            <a:off x="376598" y="396233"/>
+            <a:ext cx="11444340" cy="6155531"/>
+          </a:xfrm>
+          <a:prstGeom prst="rect">
+            <a:avLst/>
+          </a:prstGeom>
+          <a:noFill/>
+          <a:ln>
+            <a:noFill/>
+          </a:ln>
+          <a:effectLst/>
+        </p:spPr>
+        <p:txBody>
+          <a:bodyPr vert="horz" wrap="square" lIns="0" tIns="0" rIns="0" bIns="0" numCol="1" anchor="ctr" anchorCtr="0" compatLnSpc="1">
+            <a:prstTxWarp prst="textNoShape">
+              <a:avLst/>
+            </a:prstTxWarp>
+            <a:spAutoFit/>
+          </a:bodyPr>
+          <a:lstStyle>
+            <a:lvl1pPr eaLnBrk="0" fontAlgn="base" hangingPunct="0">
+              <a:spcBef>
+                <a:spcPct val="0"/>
+              </a:spcBef>
+              <a:spcAft>
+                <a:spcPct val="0"/>
+              </a:spcAft>
+              <a:defRPr>
+                <a:solidFill>
+                  <a:schemeClr val="tx1"/>
+                </a:solidFill>
+                <a:latin typeface="Arial" panose="020B0604020202020204" pitchFamily="34" charset="0"/>
+              </a:defRPr>
+            </a:lvl1pPr>
+            <a:lvl2pPr eaLnBrk="0" fontAlgn="base" hangingPunct="0">
+              <a:spcBef>
+                <a:spcPct val="0"/>
+              </a:spcBef>
+              <a:spcAft>
+                <a:spcPct val="0"/>
+              </a:spcAft>
+              <a:defRPr>
+                <a:solidFill>
+                  <a:schemeClr val="tx1"/>
+                </a:solidFill>
+                <a:latin typeface="Arial" panose="020B0604020202020204" pitchFamily="34" charset="0"/>
+              </a:defRPr>
+            </a:lvl2pPr>
+            <a:lvl3pPr eaLnBrk="0" fontAlgn="base" hangingPunct="0">
+              <a:spcBef>
+                <a:spcPct val="0"/>
+              </a:spcBef>
+              <a:spcAft>
+                <a:spcPct val="0"/>
+              </a:spcAft>
+              <a:defRPr>
+                <a:solidFill>
+                  <a:schemeClr val="tx1"/>
+                </a:solidFill>
+                <a:latin typeface="Arial" panose="020B0604020202020204" pitchFamily="34" charset="0"/>
+              </a:defRPr>
+            </a:lvl3pPr>
+            <a:lvl4pPr eaLnBrk="0" fontAlgn="base" hangingPunct="0">
+              <a:spcBef>
+                <a:spcPct val="0"/>
+              </a:spcBef>
+              <a:spcAft>
+                <a:spcPct val="0"/>
+              </a:spcAft>
+              <a:defRPr>
+                <a:solidFill>
+                  <a:schemeClr val="tx1"/>
+                </a:solidFill>
+                <a:latin typeface="Arial" panose="020B0604020202020204" pitchFamily="34" charset="0"/>
+              </a:defRPr>
+            </a:lvl4pPr>
+            <a:lvl5pPr eaLnBrk="0" fontAlgn="base" hangingPunct="0">
+              <a:spcBef>
+                <a:spcPct val="0"/>
+              </a:spcBef>
+              <a:spcAft>
+                <a:spcPct val="0"/>
+              </a:spcAft>
+              <a:defRPr>
+                <a:solidFill>
+                  <a:schemeClr val="tx1"/>
+                </a:solidFill>
+                <a:latin typeface="Arial" panose="020B0604020202020204" pitchFamily="34" charset="0"/>
+              </a:defRPr>
+            </a:lvl5pPr>
+            <a:lvl6pPr eaLnBrk="0" fontAlgn="base" hangingPunct="0">
+              <a:spcBef>
+                <a:spcPct val="0"/>
+              </a:spcBef>
+              <a:spcAft>
+                <a:spcPct val="0"/>
+              </a:spcAft>
+              <a:defRPr>
+                <a:solidFill>
+                  <a:schemeClr val="tx1"/>
+                </a:solidFill>
+                <a:latin typeface="Arial" panose="020B0604020202020204" pitchFamily="34" charset="0"/>
+              </a:defRPr>
+            </a:lvl6pPr>
+            <a:lvl7pPr eaLnBrk="0" fontAlgn="base" hangingPunct="0">
+              <a:spcBef>
+                <a:spcPct val="0"/>
+              </a:spcBef>
+              <a:spcAft>
+                <a:spcPct val="0"/>
+              </a:spcAft>
+              <a:defRPr>
+                <a:solidFill>
+                  <a:schemeClr val="tx1"/>
+                </a:solidFill>
+                <a:latin typeface="Arial" panose="020B0604020202020204" pitchFamily="34" charset="0"/>
+              </a:defRPr>
+            </a:lvl7pPr>
+            <a:lvl8pPr eaLnBrk="0" fontAlgn="base" hangingPunct="0">
+              <a:spcBef>
+                <a:spcPct val="0"/>
+              </a:spcBef>
+              <a:spcAft>
+                <a:spcPct val="0"/>
+              </a:spcAft>
+              <a:defRPr>
+                <a:solidFill>
+                  <a:schemeClr val="tx1"/>
+                </a:solidFill>
+                <a:latin typeface="Arial" panose="020B0604020202020204" pitchFamily="34" charset="0"/>
+              </a:defRPr>
+            </a:lvl8pPr>
+            <a:lvl9pPr eaLnBrk="0" fontAlgn="base" hangingPunct="0">
+              <a:spcBef>
+                <a:spcPct val="0"/>
+              </a:spcBef>
+              <a:spcAft>
+                <a:spcPct val="0"/>
+              </a:spcAft>
+              <a:defRPr>
+                <a:solidFill>
+                  <a:schemeClr val="tx1"/>
+                </a:solidFill>
+                <a:latin typeface="Arial" panose="020B0604020202020204" pitchFamily="34" charset="0"/>
+              </a:defRPr>
+            </a:lvl9pPr>
+          </a:lstStyle>
+          <a:p>
+            <a:pPr marL="0" marR="0" lvl="0" indent="0" algn="l" defTabSz="914400" rtl="0" eaLnBrk="0" fontAlgn="base" latinLnBrk="0" hangingPunct="0">
+              <a:lnSpc>
+                <a:spcPct val="100000"/>
+              </a:lnSpc>
+              <a:spcBef>
+                <a:spcPct val="0"/>
+              </a:spcBef>
+              <a:spcAft>
+                <a:spcPct val="0"/>
+              </a:spcAft>
+              <a:buClrTx/>
+              <a:buSzTx/>
+              <a:buFontTx/>
+              <a:buNone/>
+              <a:tabLst/>
+            </a:pPr>
+            <a:r>
+              <a:rPr lang="pt-BR" altLang="pt-BR" sz="2000" dirty="0">
+                <a:latin typeface="Ubuntu" panose="020B0504030602030204" pitchFamily="34" charset="0"/>
+              </a:rPr>
+              <a:t>WSDL é um a descrição em formato XML de um Web Service que utilizará SOAP / RPC como protocolo. É o acrônimo de Web Services Description Language (Linguagem de Descrição de Serviços Web).</a:t>
+            </a:r>
+          </a:p>
+          <a:p>
+            <a:pPr marL="0" marR="0" lvl="0" indent="0" algn="l" defTabSz="914400" rtl="0" eaLnBrk="0" fontAlgn="base" latinLnBrk="0" hangingPunct="0">
+              <a:lnSpc>
+                <a:spcPct val="100000"/>
+              </a:lnSpc>
+              <a:spcBef>
+                <a:spcPct val="0"/>
+              </a:spcBef>
+              <a:spcAft>
+                <a:spcPct val="0"/>
+              </a:spcAft>
+              <a:buClrTx/>
+              <a:buSzTx/>
+              <a:buFontTx/>
+              <a:buNone/>
+              <a:tabLst/>
+            </a:pPr>
+            <a:r>
+              <a:rPr lang="pt-BR" altLang="pt-BR" sz="2000" dirty="0">
+                <a:latin typeface="Ubuntu" panose="020B0504030602030204" pitchFamily="34" charset="0"/>
+              </a:rPr>
+              <a:t>RPC – Remote Procedure Calls (em português, chamada de procedimentos remotos) é um modelo que define a forma como são realizadas as chamadas a operações remotas através de web services.</a:t>
+            </a:r>
+          </a:p>
+          <a:p>
+            <a:pPr marL="0" marR="0" lvl="0" indent="0" algn="l" defTabSz="914400" rtl="0" eaLnBrk="0" fontAlgn="base" latinLnBrk="0" hangingPunct="0">
+              <a:lnSpc>
+                <a:spcPct val="100000"/>
+              </a:lnSpc>
+              <a:spcBef>
+                <a:spcPct val="0"/>
+              </a:spcBef>
+              <a:spcAft>
+                <a:spcPct val="0"/>
+              </a:spcAft>
+              <a:buClrTx/>
+              <a:buSzTx/>
+              <a:buFontTx/>
+              <a:buNone/>
+              <a:tabLst/>
+            </a:pPr>
+            <a:r>
+              <a:rPr lang="pt-BR" altLang="pt-BR" sz="2000" dirty="0">
+                <a:latin typeface="Ubuntu" panose="020B0504030602030204" pitchFamily="34" charset="0"/>
+              </a:rPr>
+              <a:t>Por meio de um WSDL você informa ao cliente como cada serviço em um end-point deve ser invocado: quais os parâmetros e tipo de dados de cada parâmetro é esperado, e qual o tipo de dado do retorno será enviado como resposta.</a:t>
+            </a:r>
+          </a:p>
+          <a:p>
+            <a:pPr marL="0" marR="0" lvl="0" indent="0" algn="l" defTabSz="914400" rtl="0" eaLnBrk="0" fontAlgn="base" latinLnBrk="0" hangingPunct="0">
+              <a:lnSpc>
+                <a:spcPct val="100000"/>
+              </a:lnSpc>
+              <a:spcBef>
+                <a:spcPct val="0"/>
+              </a:spcBef>
+              <a:spcAft>
+                <a:spcPct val="0"/>
+              </a:spcAft>
+              <a:buClrTx/>
+              <a:buSzTx/>
+              <a:buFontTx/>
+              <a:buNone/>
+              <a:tabLst/>
+            </a:pPr>
+            <a:r>
+              <a:rPr lang="pt-BR" altLang="pt-BR" sz="2000" dirty="0">
+                <a:latin typeface="Ubuntu" panose="020B0504030602030204" pitchFamily="34" charset="0"/>
+              </a:rPr>
+              <a:t>Além de descrever cada serviço (que pode ser comparado analogamente à um método a ser executado no programa servidor), também descreve como podem ser encontrados. Seus elementos básicos são:</a:t>
+            </a:r>
+          </a:p>
+          <a:p>
+            <a:pPr marL="0" marR="0" lvl="0" indent="0" algn="l" defTabSz="914400" rtl="0" eaLnBrk="0" fontAlgn="base" latinLnBrk="0" hangingPunct="0">
+              <a:lnSpc>
+                <a:spcPct val="100000"/>
+              </a:lnSpc>
+              <a:spcBef>
+                <a:spcPct val="0"/>
+              </a:spcBef>
+              <a:spcAft>
+                <a:spcPct val="0"/>
+              </a:spcAft>
+              <a:buClrTx/>
+              <a:buSzTx/>
+              <a:buFontTx/>
+              <a:buNone/>
+              <a:tabLst/>
+            </a:pPr>
+            <a:r>
+              <a:rPr lang="pt-BR" altLang="pt-BR" sz="2000" b="1" dirty="0">
+                <a:solidFill>
+                  <a:schemeClr val="bg1"/>
+                </a:solidFill>
+                <a:latin typeface="Ubuntu" panose="020B0504030602030204" pitchFamily="34" charset="0"/>
+              </a:rPr>
+              <a:t>&lt;types&gt;: </a:t>
+            </a:r>
+            <a:r>
+              <a:rPr lang="pt-BR" altLang="pt-BR" sz="2000" dirty="0">
+                <a:latin typeface="Ubuntu" panose="020B0504030602030204" pitchFamily="34" charset="0"/>
+              </a:rPr>
+              <a:t>aqui deverão ser descritos os tipos de dados suportados pelo serviço em questão</a:t>
+            </a:r>
+          </a:p>
+          <a:p>
+            <a:pPr marL="0" marR="0" lvl="0" indent="0" algn="l" defTabSz="914400" rtl="0" eaLnBrk="0" fontAlgn="base" latinLnBrk="0" hangingPunct="0">
+              <a:lnSpc>
+                <a:spcPct val="100000"/>
+              </a:lnSpc>
+              <a:spcBef>
+                <a:spcPct val="0"/>
+              </a:spcBef>
+              <a:spcAft>
+                <a:spcPct val="0"/>
+              </a:spcAft>
+              <a:buClrTx/>
+              <a:buSzTx/>
+              <a:buFontTx/>
+              <a:buNone/>
+              <a:tabLst/>
+            </a:pPr>
+            <a:r>
+              <a:rPr lang="pt-BR" altLang="pt-BR" sz="2000" b="1" dirty="0">
+                <a:solidFill>
+                  <a:schemeClr val="bg1"/>
+                </a:solidFill>
+                <a:latin typeface="Ubuntu" panose="020B0504030602030204" pitchFamily="34" charset="0"/>
+              </a:rPr>
+              <a:t>&lt;message&gt;: </a:t>
+            </a:r>
+            <a:r>
+              <a:rPr lang="pt-BR" altLang="pt-BR" sz="2000" dirty="0">
+                <a:latin typeface="Ubuntu" panose="020B0504030602030204" pitchFamily="34" charset="0"/>
+              </a:rPr>
+              <a:t>aqui devem ser especificados os padrões de entrada e saída de dados dos web services</a:t>
+            </a:r>
+          </a:p>
+          <a:p>
+            <a:pPr marL="0" marR="0" lvl="0" indent="0" algn="l" defTabSz="914400" rtl="0" eaLnBrk="0" fontAlgn="base" latinLnBrk="0" hangingPunct="0">
+              <a:lnSpc>
+                <a:spcPct val="100000"/>
+              </a:lnSpc>
+              <a:spcBef>
+                <a:spcPct val="0"/>
+              </a:spcBef>
+              <a:spcAft>
+                <a:spcPct val="0"/>
+              </a:spcAft>
+              <a:buClrTx/>
+              <a:buSzTx/>
+              <a:buFontTx/>
+              <a:buNone/>
+              <a:tabLst/>
+            </a:pPr>
+            <a:r>
+              <a:rPr lang="pt-BR" altLang="pt-BR" sz="2000" b="1" dirty="0">
+                <a:solidFill>
+                  <a:schemeClr val="bg1"/>
+                </a:solidFill>
+                <a:latin typeface="Ubuntu" panose="020B0504030602030204" pitchFamily="34" charset="0"/>
+              </a:rPr>
+              <a:t>&lt;portType&gt;: </a:t>
+            </a:r>
+            <a:r>
+              <a:rPr lang="pt-BR" altLang="pt-BR" sz="2000" dirty="0">
+                <a:latin typeface="Ubuntu" panose="020B0504030602030204" pitchFamily="34" charset="0"/>
+              </a:rPr>
+              <a:t>aqui devem ser descritos os agrupamentos lógicos das operações. São as operações executadas pelo web service</a:t>
+            </a:r>
+          </a:p>
+          <a:p>
+            <a:pPr marL="0" marR="0" lvl="0" indent="0" algn="l" defTabSz="914400" rtl="0" eaLnBrk="0" fontAlgn="base" latinLnBrk="0" hangingPunct="0">
+              <a:lnSpc>
+                <a:spcPct val="100000"/>
+              </a:lnSpc>
+              <a:spcBef>
+                <a:spcPct val="0"/>
+              </a:spcBef>
+              <a:spcAft>
+                <a:spcPct val="0"/>
+              </a:spcAft>
+              <a:buClrTx/>
+              <a:buSzTx/>
+              <a:buFontTx/>
+              <a:buNone/>
+              <a:tabLst/>
+            </a:pPr>
+            <a:r>
+              <a:rPr lang="pt-BR" altLang="pt-BR" sz="2000" b="1" dirty="0">
+                <a:solidFill>
+                  <a:schemeClr val="bg1"/>
+                </a:solidFill>
+                <a:latin typeface="Ubuntu" panose="020B0504030602030204" pitchFamily="34" charset="0"/>
+              </a:rPr>
+              <a:t>&lt;binding&gt;: </a:t>
+            </a:r>
+            <a:r>
+              <a:rPr lang="pt-BR" altLang="pt-BR" sz="2000" dirty="0">
+                <a:latin typeface="Ubuntu" panose="020B0504030602030204" pitchFamily="34" charset="0"/>
+              </a:rPr>
+              <a:t>aqui devem ser apresentados os protocolos de comunicação que os web services utilizam</a:t>
+            </a:r>
+          </a:p>
+          <a:p>
+            <a:pPr marL="0" marR="0" lvl="0" indent="0" algn="l" defTabSz="914400" rtl="0" eaLnBrk="0" fontAlgn="base" latinLnBrk="0" hangingPunct="0">
+              <a:lnSpc>
+                <a:spcPct val="100000"/>
+              </a:lnSpc>
+              <a:spcBef>
+                <a:spcPct val="0"/>
+              </a:spcBef>
+              <a:spcAft>
+                <a:spcPct val="0"/>
+              </a:spcAft>
+              <a:buClrTx/>
+              <a:buSzTx/>
+              <a:buFontTx/>
+              <a:buNone/>
+              <a:tabLst/>
+            </a:pPr>
+            <a:r>
+              <a:rPr lang="pt-BR" altLang="pt-BR" sz="2000" b="1" dirty="0">
+                <a:solidFill>
+                  <a:schemeClr val="bg1"/>
+                </a:solidFill>
+                <a:latin typeface="Ubuntu" panose="020B0504030602030204" pitchFamily="34" charset="0"/>
+              </a:rPr>
+              <a:t>&lt;operation&gt;: </a:t>
+            </a:r>
+            <a:r>
+              <a:rPr lang="pt-BR" altLang="pt-BR" sz="2000" dirty="0">
+                <a:latin typeface="Ubuntu" panose="020B0504030602030204" pitchFamily="34" charset="0"/>
+              </a:rPr>
+              <a:t>região que permite a especificação das assinaturas dos métodos disponibilizados</a:t>
+            </a:r>
+          </a:p>
+          <a:p>
+            <a:pPr marL="0" marR="0" lvl="0" indent="0" algn="l" defTabSz="914400" rtl="0" eaLnBrk="0" fontAlgn="base" latinLnBrk="0" hangingPunct="0">
+              <a:lnSpc>
+                <a:spcPct val="100000"/>
+              </a:lnSpc>
+              <a:spcBef>
+                <a:spcPct val="0"/>
+              </a:spcBef>
+              <a:spcAft>
+                <a:spcPct val="0"/>
+              </a:spcAft>
+              <a:buClrTx/>
+              <a:buSzTx/>
+              <a:buFontTx/>
+              <a:buNone/>
+              <a:tabLst/>
+            </a:pPr>
+            <a:r>
+              <a:rPr lang="pt-BR" altLang="pt-BR" sz="2000" b="1" dirty="0">
+                <a:solidFill>
+                  <a:schemeClr val="bg1"/>
+                </a:solidFill>
+                <a:latin typeface="Ubuntu" panose="020B0504030602030204" pitchFamily="34" charset="0"/>
+              </a:rPr>
+              <a:t>&lt;definitions&gt;: </a:t>
+            </a:r>
+            <a:r>
+              <a:rPr lang="pt-BR" altLang="pt-BR" sz="2000" dirty="0">
+                <a:latin typeface="Ubuntu" panose="020B0504030602030204" pitchFamily="34" charset="0"/>
+              </a:rPr>
+              <a:t>elemento padrão de todos os documentos WSDL. Permite efetuar descrições sobre schemas e namespaces </a:t>
+            </a:r>
+          </a:p>
+        </p:txBody>
+      </p:sp>
+    </p:spTree>
+    <p:extLst>
+      <p:ext uri="{BB962C8B-B14F-4D97-AF65-F5344CB8AC3E}">
+        <p14:creationId xmlns:p14="http://schemas.microsoft.com/office/powerpoint/2010/main" val="4101600829"/>
+      </p:ext>
+    </p:extLst>
+  </p:cSld>
+  <p:clrMapOvr>
+    <a:masterClrMapping/>
+  </p:clrMapOvr>
+</p:sld>
+</file>
+
+<file path=ppt/slides/slide22.xml><?xml version="1.0" encoding="utf-8"?>
+<p:sld xmlns:a="http://schemas.openxmlformats.org/drawingml/2006/main" xmlns:r="http://schemas.openxmlformats.org/officeDocument/2006/relationships" xmlns:p="http://schemas.openxmlformats.org/presentationml/2006/main">
+  <p:cSld>
+    <p:spTree>
+      <p:nvGrpSpPr>
+        <p:cNvPr id="1" name=""/>
+        <p:cNvGrpSpPr/>
+        <p:nvPr/>
+      </p:nvGrpSpPr>
+      <p:grpSpPr>
+        <a:xfrm>
+          <a:off x="0" y="0"/>
+          <a:ext cx="0" cy="0"/>
+          <a:chOff x="0" y="0"/>
+          <a:chExt cx="0" cy="0"/>
+        </a:xfrm>
+      </p:grpSpPr>
+      <p:pic>
+        <p:nvPicPr>
+          <p:cNvPr id="5" name="Picture 4" descr="http://upload.wikimedia.org/wikipedia/commons/thumb/5/59/SOAP.svg/220px-SOAP.svg.png"/>
+          <p:cNvPicPr>
+            <a:picLocks noChangeAspect="1" noChangeArrowheads="1"/>
+          </p:cNvPicPr>
+          <p:nvPr/>
+        </p:nvPicPr>
+        <p:blipFill>
+          <a:blip r:embed="rId2">
+            <a:extLst>
+              <a:ext uri="{28A0092B-C50C-407E-A947-70E740481C1C}">
+                <a14:useLocalDpi xmlns:a14="http://schemas.microsoft.com/office/drawing/2010/main" val="0"/>
+              </a:ext>
+            </a:extLst>
+          </a:blip>
+          <a:srcRect/>
+          <a:stretch>
+            <a:fillRect/>
+          </a:stretch>
+        </p:blipFill>
+        <p:spPr bwMode="auto">
+          <a:xfrm>
+            <a:off x="7129178" y="3579436"/>
+            <a:ext cx="2885574" cy="3082318"/>
+          </a:xfrm>
+          <a:prstGeom prst="roundRect">
+            <a:avLst>
+              <a:gd name="adj" fmla="val 4380"/>
+            </a:avLst>
+          </a:prstGeom>
+          <a:noFill/>
+          <a:ln w="50800" cap="sq" cmpd="dbl">
+            <a:gradFill flip="none" rotWithShape="1">
+              <a:gsLst>
+                <a:gs pos="0">
+                  <a:srgbClr val="FFFFFF"/>
+                </a:gs>
+                <a:gs pos="100000">
+                  <a:schemeClr val="tx1">
+                    <a:alpha val="0"/>
+                  </a:schemeClr>
+                </a:gs>
+              </a:gsLst>
+              <a:path path="circle">
+                <a:fillToRect l="50000" t="50000" r="50000" b="50000"/>
+              </a:path>
+              <a:tileRect/>
+            </a:gradFill>
+            <a:miter lim="800000"/>
+          </a:ln>
+          <a:effectLst>
+            <a:outerShdw blurRad="254000" algn="tl" rotWithShape="0">
+              <a:srgbClr val="000000">
+                <a:alpha val="43000"/>
+              </a:srgbClr>
+            </a:outerShdw>
+          </a:effectLst>
+          <a:extLst>
+            <a:ext uri="{909E8E84-426E-40DD-AFC4-6F175D3DCCD1}">
+              <a14:hiddenFill xmlns:a14="http://schemas.microsoft.com/office/drawing/2010/main">
+                <a:solidFill>
+                  <a:srgbClr val="FFFFFF"/>
+                </a:solidFill>
+              </a14:hiddenFill>
+            </a:ext>
+            <a:ext uri="{91240B29-F687-4F45-9708-019B960494DF}">
+              <a14:hiddenLine xmlns:a14="http://schemas.microsoft.com/office/drawing/2010/main" w="9525">
+                <a:solidFill>
+                  <a:srgbClr val="000000"/>
+                </a:solidFill>
+                <a:miter lim="800000"/>
+                <a:headEnd/>
+                <a:tailEnd/>
+              </a14:hiddenLine>
+            </a:ext>
+          </a:extLst>
+        </p:spPr>
+      </p:pic>
+      <p:sp>
+        <p:nvSpPr>
+          <p:cNvPr id="2" name="Title 1"/>
+          <p:cNvSpPr>
+            <a:spLocks noGrp="1"/>
+          </p:cNvSpPr>
+          <p:nvPr>
+            <p:ph type="title"/>
+          </p:nvPr>
+        </p:nvSpPr>
+        <p:spPr>
+          <a:xfrm>
+            <a:off x="825909" y="808055"/>
+            <a:ext cx="3979205" cy="1453363"/>
+          </a:xfrm>
+        </p:spPr>
+        <p:txBody>
+          <a:bodyPr vert="horz" lIns="91440" tIns="45720" rIns="91440" bIns="45720" rtlCol="0" anchor="ctr">
+            <a:normAutofit/>
+          </a:bodyPr>
+          <a:lstStyle/>
+          <a:p>
+            <a:r>
+              <a:rPr lang="en-US" dirty="0" err="1">
+                <a:latin typeface="Ubuntu" panose="020B0504030602030204" pitchFamily="34" charset="0"/>
+              </a:rPr>
+              <a:t>utilização</a:t>
+            </a:r>
+            <a:endParaRPr lang="en-US" dirty="0">
+              <a:latin typeface="Ubuntu" panose="020B0504030602030204" pitchFamily="34" charset="0"/>
+            </a:endParaRPr>
+          </a:p>
+        </p:txBody>
+      </p:sp>
+      <p:sp>
+        <p:nvSpPr>
+          <p:cNvPr id="4" name="TextBox 3"/>
+          <p:cNvSpPr txBox="1"/>
+          <p:nvPr/>
+        </p:nvSpPr>
+        <p:spPr>
+          <a:xfrm>
+            <a:off x="802178" y="2261420"/>
+            <a:ext cx="4002936" cy="3637935"/>
+          </a:xfrm>
+          <a:prstGeom prst="rect">
+            <a:avLst/>
+          </a:prstGeom>
+        </p:spPr>
+        <p:txBody>
+          <a:bodyPr vert="horz" lIns="91440" tIns="45720" rIns="91440" bIns="45720" rtlCol="0" anchor="ctr">
+            <a:normAutofit/>
+          </a:bodyPr>
+          <a:lstStyle/>
+          <a:p>
+            <a:pPr>
+              <a:spcAft>
+                <a:spcPts val="1000"/>
+              </a:spcAft>
+              <a:buClr>
+                <a:schemeClr val="tx1"/>
+              </a:buClr>
+              <a:buSzPct val="100000"/>
+              <a:buFont typeface="Arial"/>
+              <a:buChar char="•"/>
+            </a:pPr>
+            <a:r>
+              <a:rPr lang="en-US" sz="2400" dirty="0">
+                <a:latin typeface="Ubuntu" panose="020B0504030602030204" pitchFamily="34" charset="0"/>
+              </a:rPr>
+              <a:t>O WSDL serve </a:t>
+            </a:r>
+            <a:r>
+              <a:rPr lang="en-US" sz="2400" dirty="0" err="1">
+                <a:latin typeface="Ubuntu" panose="020B0504030602030204" pitchFamily="34" charset="0"/>
+              </a:rPr>
+              <a:t>como</a:t>
+            </a:r>
+            <a:r>
+              <a:rPr lang="en-US" sz="2400" dirty="0">
+                <a:latin typeface="Ubuntu" panose="020B0504030602030204" pitchFamily="34" charset="0"/>
+              </a:rPr>
+              <a:t> </a:t>
+            </a:r>
+            <a:r>
+              <a:rPr lang="en-US" sz="2400" dirty="0" err="1">
+                <a:latin typeface="Ubuntu" panose="020B0504030602030204" pitchFamily="34" charset="0"/>
+              </a:rPr>
+              <a:t>mapa</a:t>
+            </a:r>
+            <a:r>
+              <a:rPr lang="en-US" sz="2400" dirty="0">
+                <a:latin typeface="Ubuntu" panose="020B0504030602030204" pitchFamily="34" charset="0"/>
+              </a:rPr>
+              <a:t> para o </a:t>
+            </a:r>
+            <a:r>
+              <a:rPr lang="en-US" sz="2400" dirty="0" err="1">
+                <a:latin typeface="Ubuntu" panose="020B0504030602030204" pitchFamily="34" charset="0"/>
+              </a:rPr>
+              <a:t>servidor</a:t>
+            </a:r>
+            <a:r>
+              <a:rPr lang="en-US" sz="2400" dirty="0">
+                <a:latin typeface="Ubuntu" panose="020B0504030602030204" pitchFamily="34" charset="0"/>
+              </a:rPr>
+              <a:t> e </a:t>
+            </a:r>
+            <a:r>
+              <a:rPr lang="en-US" sz="2400" dirty="0" err="1">
+                <a:latin typeface="Ubuntu" panose="020B0504030602030204" pitchFamily="34" charset="0"/>
+              </a:rPr>
+              <a:t>seu</a:t>
+            </a:r>
+            <a:r>
+              <a:rPr lang="en-US" sz="2400" dirty="0">
+                <a:latin typeface="Ubuntu" panose="020B0504030602030204" pitchFamily="34" charset="0"/>
+              </a:rPr>
+              <a:t> </a:t>
+            </a:r>
+            <a:r>
+              <a:rPr lang="en-US" sz="2400" dirty="0" err="1">
+                <a:latin typeface="Ubuntu" panose="020B0504030602030204" pitchFamily="34" charset="0"/>
+              </a:rPr>
+              <a:t>cliente</a:t>
+            </a:r>
+            <a:r>
+              <a:rPr lang="en-US" sz="2400" dirty="0">
+                <a:latin typeface="Ubuntu" panose="020B0504030602030204" pitchFamily="34" charset="0"/>
+              </a:rPr>
+              <a:t>, </a:t>
+            </a:r>
+            <a:r>
+              <a:rPr lang="en-US" sz="2400" dirty="0" err="1">
+                <a:latin typeface="Ubuntu" panose="020B0504030602030204" pitchFamily="34" charset="0"/>
+              </a:rPr>
+              <a:t>desta</a:t>
+            </a:r>
+            <a:r>
+              <a:rPr lang="en-US" sz="2400" dirty="0">
+                <a:latin typeface="Ubuntu" panose="020B0504030602030204" pitchFamily="34" charset="0"/>
+              </a:rPr>
+              <a:t> forma, as </a:t>
+            </a:r>
+            <a:r>
+              <a:rPr lang="en-US" sz="2400" dirty="0" err="1">
+                <a:latin typeface="Ubuntu" panose="020B0504030602030204" pitchFamily="34" charset="0"/>
+              </a:rPr>
+              <a:t>mensagens</a:t>
+            </a:r>
+            <a:r>
+              <a:rPr lang="en-US" sz="2400" dirty="0">
+                <a:latin typeface="Ubuntu" panose="020B0504030602030204" pitchFamily="34" charset="0"/>
+              </a:rPr>
+              <a:t> </a:t>
+            </a:r>
+            <a:r>
+              <a:rPr lang="en-US" sz="2400" dirty="0" err="1">
+                <a:latin typeface="Ubuntu" panose="020B0504030602030204" pitchFamily="34" charset="0"/>
+              </a:rPr>
+              <a:t>são</a:t>
+            </a:r>
+            <a:r>
+              <a:rPr lang="en-US" sz="2400" dirty="0">
+                <a:latin typeface="Ubuntu" panose="020B0504030602030204" pitchFamily="34" charset="0"/>
+              </a:rPr>
+              <a:t> </a:t>
+            </a:r>
+            <a:r>
+              <a:rPr lang="en-US" sz="2400" dirty="0" err="1">
+                <a:latin typeface="Ubuntu" panose="020B0504030602030204" pitchFamily="34" charset="0"/>
+              </a:rPr>
+              <a:t>trocadas</a:t>
+            </a:r>
+            <a:r>
+              <a:rPr lang="en-US" sz="2400" dirty="0">
+                <a:latin typeface="Ubuntu" panose="020B0504030602030204" pitchFamily="34" charset="0"/>
+              </a:rPr>
+              <a:t> </a:t>
+            </a:r>
+            <a:r>
+              <a:rPr lang="en-US" sz="2400" dirty="0" err="1">
+                <a:latin typeface="Ubuntu" panose="020B0504030602030204" pitchFamily="34" charset="0"/>
+              </a:rPr>
+              <a:t>utilizando</a:t>
+            </a:r>
+            <a:r>
+              <a:rPr lang="en-US" sz="2400" dirty="0">
+                <a:latin typeface="Ubuntu" panose="020B0504030602030204" pitchFamily="34" charset="0"/>
+              </a:rPr>
+              <a:t> o </a:t>
+            </a:r>
+            <a:r>
+              <a:rPr lang="en-US" sz="2400" dirty="0" err="1">
+                <a:latin typeface="Ubuntu" panose="020B0504030602030204" pitchFamily="34" charset="0"/>
+              </a:rPr>
+              <a:t>protocolo</a:t>
+            </a:r>
+            <a:r>
+              <a:rPr lang="en-US" sz="2400" dirty="0">
+                <a:latin typeface="Ubuntu" panose="020B0504030602030204" pitchFamily="34" charset="0"/>
+              </a:rPr>
+              <a:t> HTTP </a:t>
+            </a:r>
+            <a:r>
+              <a:rPr lang="en-US" sz="2400" dirty="0" err="1">
+                <a:latin typeface="Ubuntu" panose="020B0504030602030204" pitchFamily="34" charset="0"/>
+              </a:rPr>
+              <a:t>em</a:t>
+            </a:r>
+            <a:r>
+              <a:rPr lang="en-US" sz="2400" dirty="0">
+                <a:latin typeface="Ubuntu" panose="020B0504030602030204" pitchFamily="34" charset="0"/>
+              </a:rPr>
+              <a:t> forma de XML (um </a:t>
+            </a:r>
+            <a:r>
+              <a:rPr lang="en-US" sz="2400" dirty="0" err="1">
+                <a:latin typeface="Ubuntu" panose="020B0504030602030204" pitchFamily="34" charset="0"/>
+              </a:rPr>
+              <a:t>pacote</a:t>
+            </a:r>
+            <a:r>
+              <a:rPr lang="en-US" sz="2400" dirty="0">
+                <a:latin typeface="Ubuntu" panose="020B0504030602030204" pitchFamily="34" charset="0"/>
+              </a:rPr>
+              <a:t> </a:t>
+            </a:r>
+            <a:r>
+              <a:rPr lang="en-US" sz="2400" dirty="0" err="1">
+                <a:latin typeface="Ubuntu" panose="020B0504030602030204" pitchFamily="34" charset="0"/>
+              </a:rPr>
+              <a:t>representado</a:t>
+            </a:r>
+            <a:r>
+              <a:rPr lang="en-US" sz="2400" dirty="0">
+                <a:latin typeface="Ubuntu" panose="020B0504030602030204" pitchFamily="34" charset="0"/>
+              </a:rPr>
+              <a:t> </a:t>
+            </a:r>
+            <a:r>
+              <a:rPr lang="en-US" sz="2400" dirty="0" err="1">
+                <a:latin typeface="Ubuntu" panose="020B0504030602030204" pitchFamily="34" charset="0"/>
+              </a:rPr>
+              <a:t>por</a:t>
+            </a:r>
+            <a:r>
+              <a:rPr lang="en-US" sz="2400" dirty="0">
+                <a:latin typeface="Ubuntu" panose="020B0504030602030204" pitchFamily="34" charset="0"/>
+              </a:rPr>
+              <a:t> um </a:t>
+            </a:r>
+            <a:r>
+              <a:rPr lang="en-US" sz="2400" dirty="0" err="1">
+                <a:latin typeface="Ubuntu" panose="020B0504030602030204" pitchFamily="34" charset="0"/>
+              </a:rPr>
+              <a:t>arquivo</a:t>
+            </a:r>
+            <a:r>
+              <a:rPr lang="en-US" sz="2400" dirty="0">
+                <a:latin typeface="Ubuntu" panose="020B0504030602030204" pitchFamily="34" charset="0"/>
+              </a:rPr>
+              <a:t> xml que </a:t>
+            </a:r>
+            <a:r>
+              <a:rPr lang="en-US" sz="2400" dirty="0" err="1">
+                <a:latin typeface="Ubuntu" panose="020B0504030602030204" pitchFamily="34" charset="0"/>
+              </a:rPr>
+              <a:t>respeita</a:t>
+            </a:r>
+            <a:r>
+              <a:rPr lang="en-US" sz="2400" dirty="0">
+                <a:latin typeface="Ubuntu" panose="020B0504030602030204" pitchFamily="34" charset="0"/>
+              </a:rPr>
+              <a:t> o SOAP)</a:t>
+            </a:r>
+          </a:p>
+        </p:txBody>
+      </p:sp>
+      <p:pic>
+        <p:nvPicPr>
+          <p:cNvPr id="6" name="Imagem 5"/>
+          <p:cNvPicPr>
+            <a:picLocks noChangeAspect="1"/>
+          </p:cNvPicPr>
+          <p:nvPr/>
+        </p:nvPicPr>
+        <p:blipFill>
+          <a:blip r:embed="rId3">
+            <a:extLst>
+              <a:ext uri="{28A0092B-C50C-407E-A947-70E740481C1C}">
+                <a14:useLocalDpi xmlns:a14="http://schemas.microsoft.com/office/drawing/2010/main" val="0"/>
+              </a:ext>
+            </a:extLst>
+          </a:blip>
+          <a:srcRect l="56860" t="49911" r="1976" b="15625"/>
+          <a:stretch>
+            <a:fillRect/>
+          </a:stretch>
+        </p:blipFill>
+        <p:spPr bwMode="auto">
+          <a:xfrm>
+            <a:off x="5185828" y="391736"/>
+            <a:ext cx="6772275" cy="3187700"/>
+          </a:xfrm>
+          <a:prstGeom prst="rect">
+            <a:avLst/>
+          </a:prstGeom>
+          <a:noFill/>
+          <a:ln>
+            <a:noFill/>
+          </a:ln>
+          <a:extLst>
+            <a:ext uri="{909E8E84-426E-40DD-AFC4-6F175D3DCCD1}">
+              <a14:hiddenFill xmlns:a14="http://schemas.microsoft.com/office/drawing/2010/main">
+                <a:solidFill>
+                  <a:srgbClr val="FFFFFF"/>
+                </a:solidFill>
+              </a14:hiddenFill>
+            </a:ext>
+            <a:ext uri="{91240B29-F687-4F45-9708-019B960494DF}">
+              <a14:hiddenLine xmlns:a14="http://schemas.microsoft.com/office/drawing/2010/main" w="9525">
+                <a:solidFill>
+                  <a:srgbClr val="000000"/>
+                </a:solidFill>
+                <a:miter lim="800000"/>
+                <a:headEnd/>
+                <a:tailEnd/>
+              </a14:hiddenLine>
+            </a:ext>
+          </a:extLst>
+        </p:spPr>
+      </p:pic>
+    </p:spTree>
+    <p:extLst>
+      <p:ext uri="{BB962C8B-B14F-4D97-AF65-F5344CB8AC3E}">
+        <p14:creationId xmlns:p14="http://schemas.microsoft.com/office/powerpoint/2010/main" val="1801033504"/>
+      </p:ext>
+    </p:extLst>
+  </p:cSld>
+  <p:clrMapOvr>
+    <a:masterClrMapping/>
+  </p:clrMapOvr>
+</p:sld>
+</file>
+
+<file path=ppt/slides/slide23.xml><?xml version="1.0" encoding="utf-8"?>
+<p:sld xmlns:a="http://schemas.openxmlformats.org/drawingml/2006/main" xmlns:r="http://schemas.openxmlformats.org/officeDocument/2006/relationships" xmlns:p="http://schemas.openxmlformats.org/presentationml/2006/main">
+  <p:cSld>
+    <p:spTree>
+      <p:nvGrpSpPr>
+        <p:cNvPr id="1" name=""/>
+        <p:cNvGrpSpPr/>
+        <p:nvPr/>
+      </p:nvGrpSpPr>
+      <p:grpSpPr>
+        <a:xfrm>
+          <a:off x="0" y="0"/>
+          <a:ext cx="0" cy="0"/>
+          <a:chOff x="0" y="0"/>
+          <a:chExt cx="0" cy="0"/>
+        </a:xfrm>
+      </p:grpSpPr>
+      <p:sp>
+        <p:nvSpPr>
+          <p:cNvPr id="9" name="Rectangle 8"/>
+          <p:cNvSpPr>
+            <a:spLocks noGrp="1" noRot="1" noChangeAspect="1" noMove="1" noResize="1" noEditPoints="1" noAdjustHandles="1" noChangeArrowheads="1" noChangeShapeType="1" noTextEdit="1"/>
+          </p:cNvSpPr>
+          <p:nvPr>
+            <p:extLst>
+              <p:ext uri="{386F3935-93C4-4BCD-93E2-E3B085C9AB24}">
+                <p16:designElem xmlns:p16="http://schemas.microsoft.com/office/powerpoint/2015/main" val="1"/>
+              </p:ext>
+            </p:extLst>
+          </p:nvPr>
+        </p:nvSpPr>
+        <p:spPr bwMode="white">
+          <a:xfrm>
+            <a:off x="0" y="0"/>
+            <a:ext cx="12192000" cy="6858000"/>
+          </a:xfrm>
+          <a:prstGeom prst="rect">
+            <a:avLst/>
+          </a:prstGeom>
+          <a:blipFill>
+            <a:blip r:embed="rId2"/>
+            <a:stretch/>
+          </a:blipFill>
+          <a:ln>
+            <a:noFill/>
+          </a:ln>
+          <a:effectLst/>
+        </p:spPr>
+      </p:sp>
+      <p:pic>
+        <p:nvPicPr>
+          <p:cNvPr id="11" name="Picture 10"/>
+          <p:cNvPicPr>
+            <a:picLocks noGrp="1" noRot="1" noChangeAspect="1" noMove="1" noResize="1" noEditPoints="1" noAdjustHandles="1" noChangeArrowheads="1" noChangeShapeType="1" noCrop="1"/>
+          </p:cNvPicPr>
+          <p:nvPr>
+            <p:extLst>
+              <p:ext uri="{386F3935-93C4-4BCD-93E2-E3B085C9AB24}">
+                <p16:designElem xmlns:p16="http://schemas.microsoft.com/office/powerpoint/2015/main" val="1"/>
+              </p:ext>
+            </p:extLst>
+          </p:nvPr>
+        </p:nvPicPr>
+        <p:blipFill>
+          <a:blip r:embed="rId3">
+            <a:extLst>
+              <a:ext uri="{28A0092B-C50C-407E-A947-70E740481C1C}">
+                <a14:useLocalDpi xmlns:a14="http://schemas.microsoft.com/office/drawing/2010/main" val="0"/>
+              </a:ext>
+            </a:extLst>
+          </a:blip>
+          <a:stretch>
+            <a:fillRect/>
+          </a:stretch>
+        </p:blipFill>
+        <p:spPr>
+          <a:xfrm>
+            <a:off x="0" y="0"/>
+            <a:ext cx="12188825" cy="6856214"/>
+          </a:xfrm>
+          <a:prstGeom prst="rect">
+            <a:avLst/>
+          </a:prstGeom>
+        </p:spPr>
+      </p:pic>
+      <p:pic>
+        <p:nvPicPr>
+          <p:cNvPr id="4" name="Picture 3"/>
+          <p:cNvPicPr>
+            <a:picLocks noChangeAspect="1"/>
+          </p:cNvPicPr>
+          <p:nvPr/>
+        </p:nvPicPr>
+        <p:blipFill>
+          <a:blip r:embed="rId4"/>
+          <a:stretch>
+            <a:fillRect/>
+          </a:stretch>
+        </p:blipFill>
+        <p:spPr>
+          <a:xfrm>
+            <a:off x="957177" y="1111573"/>
+            <a:ext cx="10287886" cy="2188095"/>
+          </a:xfrm>
+          <a:prstGeom prst="roundRect">
+            <a:avLst>
+              <a:gd name="adj" fmla="val 4380"/>
+            </a:avLst>
+          </a:prstGeom>
+          <a:ln w="50800" cap="sq" cmpd="dbl">
+            <a:gradFill flip="none" rotWithShape="1">
+              <a:gsLst>
+                <a:gs pos="0">
+                  <a:srgbClr val="FFFFFF"/>
+                </a:gs>
+                <a:gs pos="100000">
+                  <a:schemeClr val="tx1">
+                    <a:alpha val="0"/>
+                  </a:schemeClr>
+                </a:gs>
+              </a:gsLst>
+              <a:path path="circle">
+                <a:fillToRect l="50000" t="50000" r="50000" b="50000"/>
+              </a:path>
+              <a:tileRect/>
+            </a:gradFill>
+            <a:miter lim="800000"/>
+          </a:ln>
+          <a:effectLst>
+            <a:outerShdw blurRad="254000" algn="tl" rotWithShape="0">
+              <a:srgbClr val="000000">
+                <a:alpha val="43000"/>
+              </a:srgbClr>
+            </a:outerShdw>
+          </a:effectLst>
+        </p:spPr>
+      </p:pic>
+      <p:sp>
+        <p:nvSpPr>
+          <p:cNvPr id="2" name="Title 1"/>
+          <p:cNvSpPr>
+            <a:spLocks noGrp="1"/>
+          </p:cNvSpPr>
+          <p:nvPr>
+            <p:ph type="title"/>
+          </p:nvPr>
+        </p:nvSpPr>
+        <p:spPr>
+          <a:xfrm>
+            <a:off x="649338" y="3765754"/>
+            <a:ext cx="10903565" cy="1504335"/>
+          </a:xfrm>
+        </p:spPr>
+        <p:txBody>
+          <a:bodyPr vert="horz" lIns="91440" tIns="45720" rIns="91440" bIns="45720" rtlCol="0" anchor="b">
+            <a:normAutofit/>
+          </a:bodyPr>
+          <a:lstStyle/>
+          <a:p>
+            <a:pPr algn="ctr"/>
+            <a:r>
+              <a:rPr lang="en-US" dirty="0" err="1">
+                <a:latin typeface="Ubuntu" panose="020B0504030602030204" pitchFamily="34" charset="0"/>
+              </a:rPr>
+              <a:t>Exemplo</a:t>
+            </a:r>
+            <a:r>
+              <a:rPr lang="en-US" dirty="0">
+                <a:latin typeface="Ubuntu" panose="020B0504030602030204" pitchFamily="34" charset="0"/>
+              </a:rPr>
+              <a:t> de </a:t>
+            </a:r>
+            <a:r>
+              <a:rPr lang="en-US" dirty="0" err="1">
+                <a:latin typeface="Ubuntu" panose="020B0504030602030204" pitchFamily="34" charset="0"/>
+              </a:rPr>
+              <a:t>requisição</a:t>
+            </a:r>
+            <a:r>
+              <a:rPr lang="en-US" dirty="0">
+                <a:latin typeface="Ubuntu" panose="020B0504030602030204" pitchFamily="34" charset="0"/>
+              </a:rPr>
+              <a:t> soap</a:t>
+            </a:r>
+          </a:p>
+        </p:txBody>
+      </p:sp>
+    </p:spTree>
+    <p:extLst>
+      <p:ext uri="{BB962C8B-B14F-4D97-AF65-F5344CB8AC3E}">
+        <p14:creationId xmlns:p14="http://schemas.microsoft.com/office/powerpoint/2010/main" val="552028073"/>
+      </p:ext>
+    </p:extLst>
+  </p:cSld>
+  <p:clrMapOvr>
+    <a:masterClrMapping/>
+  </p:clrMapOvr>
+</p:sld>
+</file>
+
+<file path=ppt/slides/slide24.xml><?xml version="1.0" encoding="utf-8"?>
+<p:sld xmlns:a="http://schemas.openxmlformats.org/drawingml/2006/main" xmlns:r="http://schemas.openxmlformats.org/officeDocument/2006/relationships" xmlns:p="http://schemas.openxmlformats.org/presentationml/2006/main">
+  <p:cSld>
+    <p:spTree>
+      <p:nvGrpSpPr>
+        <p:cNvPr id="1" name=""/>
+        <p:cNvGrpSpPr/>
+        <p:nvPr/>
+      </p:nvGrpSpPr>
+      <p:grpSpPr>
+        <a:xfrm>
+          <a:off x="0" y="0"/>
+          <a:ext cx="0" cy="0"/>
+          <a:chOff x="0" y="0"/>
+          <a:chExt cx="0" cy="0"/>
+        </a:xfrm>
+      </p:grpSpPr>
+      <p:sp>
+        <p:nvSpPr>
+          <p:cNvPr id="9" name="Rectangle 8"/>
+          <p:cNvSpPr>
+            <a:spLocks noGrp="1" noRot="1" noChangeAspect="1" noMove="1" noResize="1" noEditPoints="1" noAdjustHandles="1" noChangeArrowheads="1" noChangeShapeType="1" noTextEdit="1"/>
+          </p:cNvSpPr>
+          <p:nvPr>
+            <p:extLst>
+              <p:ext uri="{386F3935-93C4-4BCD-93E2-E3B085C9AB24}">
+                <p16:designElem xmlns:p16="http://schemas.microsoft.com/office/powerpoint/2015/main" val="1"/>
+              </p:ext>
+            </p:extLst>
+          </p:nvPr>
+        </p:nvSpPr>
+        <p:spPr bwMode="white">
+          <a:xfrm>
+            <a:off x="0" y="0"/>
+            <a:ext cx="12192000" cy="6858000"/>
+          </a:xfrm>
+          <a:prstGeom prst="rect">
+            <a:avLst/>
+          </a:prstGeom>
+          <a:blipFill>
+            <a:blip r:embed="rId2"/>
+            <a:stretch/>
+          </a:blipFill>
+          <a:ln>
+            <a:noFill/>
+          </a:ln>
+          <a:effectLst/>
+        </p:spPr>
+      </p:sp>
+      <p:pic>
+        <p:nvPicPr>
+          <p:cNvPr id="11" name="Picture 10"/>
+          <p:cNvPicPr>
+            <a:picLocks noGrp="1" noRot="1" noChangeAspect="1" noMove="1" noResize="1" noEditPoints="1" noAdjustHandles="1" noChangeArrowheads="1" noChangeShapeType="1" noCrop="1"/>
+          </p:cNvPicPr>
+          <p:nvPr>
+            <p:extLst>
+              <p:ext uri="{386F3935-93C4-4BCD-93E2-E3B085C9AB24}">
+                <p16:designElem xmlns:p16="http://schemas.microsoft.com/office/powerpoint/2015/main" val="1"/>
+              </p:ext>
+            </p:extLst>
+          </p:nvPr>
+        </p:nvPicPr>
+        <p:blipFill>
+          <a:blip r:embed="rId3">
+            <a:extLst>
+              <a:ext uri="{28A0092B-C50C-407E-A947-70E740481C1C}">
+                <a14:useLocalDpi xmlns:a14="http://schemas.microsoft.com/office/drawing/2010/main" val="0"/>
+              </a:ext>
+            </a:extLst>
+          </a:blip>
+          <a:stretch>
+            <a:fillRect/>
+          </a:stretch>
+        </p:blipFill>
+        <p:spPr>
+          <a:xfrm>
+            <a:off x="0" y="0"/>
+            <a:ext cx="12188825" cy="6856214"/>
+          </a:xfrm>
+          <a:prstGeom prst="rect">
+            <a:avLst/>
+          </a:prstGeom>
+        </p:spPr>
+      </p:pic>
+      <p:pic>
+        <p:nvPicPr>
+          <p:cNvPr id="4" name="Picture 3"/>
+          <p:cNvPicPr>
+            <a:picLocks noChangeAspect="1"/>
+          </p:cNvPicPr>
+          <p:nvPr/>
+        </p:nvPicPr>
+        <p:blipFill>
+          <a:blip r:embed="rId4"/>
+          <a:stretch>
+            <a:fillRect/>
+          </a:stretch>
+        </p:blipFill>
+        <p:spPr>
+          <a:xfrm>
+            <a:off x="215210" y="870837"/>
+            <a:ext cx="7965773" cy="5516710"/>
+          </a:xfrm>
+          <a:prstGeom prst="roundRect">
+            <a:avLst>
+              <a:gd name="adj" fmla="val 4380"/>
+            </a:avLst>
+          </a:prstGeom>
+          <a:ln w="50800" cap="sq" cmpd="dbl">
+            <a:gradFill flip="none" rotWithShape="1">
+              <a:gsLst>
+                <a:gs pos="0">
+                  <a:srgbClr val="FFFFFF"/>
+                </a:gs>
+                <a:gs pos="100000">
+                  <a:schemeClr val="tx1">
+                    <a:alpha val="0"/>
+                  </a:schemeClr>
+                </a:gs>
+              </a:gsLst>
+              <a:path path="circle">
+                <a:fillToRect l="50000" t="50000" r="50000" b="50000"/>
+              </a:path>
+              <a:tileRect/>
+            </a:gradFill>
+            <a:miter lim="800000"/>
+          </a:ln>
+          <a:effectLst>
+            <a:outerShdw blurRad="254000" algn="tl" rotWithShape="0">
+              <a:srgbClr val="000000">
+                <a:alpha val="43000"/>
+              </a:srgbClr>
+            </a:outerShdw>
+          </a:effectLst>
+        </p:spPr>
+      </p:pic>
+      <p:sp>
+        <p:nvSpPr>
+          <p:cNvPr id="2" name="Title 1"/>
+          <p:cNvSpPr>
+            <a:spLocks noGrp="1"/>
+          </p:cNvSpPr>
+          <p:nvPr>
+            <p:ph type="title"/>
+          </p:nvPr>
+        </p:nvSpPr>
+        <p:spPr>
+          <a:xfrm>
+            <a:off x="8180983" y="639097"/>
+            <a:ext cx="3352256" cy="3746634"/>
+          </a:xfrm>
+        </p:spPr>
+        <p:txBody>
+          <a:bodyPr vert="horz" lIns="91440" tIns="45720" rIns="91440" bIns="45720" rtlCol="0" anchor="b">
+            <a:normAutofit/>
+          </a:bodyPr>
+          <a:lstStyle/>
+          <a:p>
+            <a:pPr algn="r"/>
+            <a:r>
+              <a:rPr lang="en-US" sz="4800"/>
+              <a:t>Resposta </a:t>
+            </a:r>
+            <a:r>
+              <a:rPr lang="en-US" sz="4800"/>
+              <a:t>da requisição</a:t>
+            </a:r>
+            <a:endParaRPr lang="en-US" sz="4800"/>
+          </a:p>
+        </p:txBody>
+      </p:sp>
+    </p:spTree>
+    <p:extLst>
+      <p:ext uri="{BB962C8B-B14F-4D97-AF65-F5344CB8AC3E}">
+        <p14:creationId xmlns:p14="http://schemas.microsoft.com/office/powerpoint/2010/main" val="3168569712"/>
+      </p:ext>
+    </p:extLst>
+  </p:cSld>
+  <p:clrMapOvr>
+    <a:masterClrMapping/>
+  </p:clrMapOvr>
+</p:sld>
+</file>
+
+<file path=ppt/slides/slide25.xml><?xml version="1.0" encoding="utf-8"?>
+<p:sld xmlns:a="http://schemas.openxmlformats.org/drawingml/2006/main" xmlns:r="http://schemas.openxmlformats.org/officeDocument/2006/relationships" xmlns:p="http://schemas.openxmlformats.org/presentationml/2006/main">
+  <p:cSld>
+    <p:spTree>
+      <p:nvGrpSpPr>
+        <p:cNvPr id="1" name=""/>
+        <p:cNvGrpSpPr/>
+        <p:nvPr/>
+      </p:nvGrpSpPr>
+      <p:grpSpPr>
+        <a:xfrm>
+          <a:off x="0" y="0"/>
+          <a:ext cx="0" cy="0"/>
+          <a:chOff x="0" y="0"/>
+          <a:chExt cx="0" cy="0"/>
+        </a:xfrm>
+      </p:grpSpPr>
+      <p:sp>
+        <p:nvSpPr>
+          <p:cNvPr id="2" name="Title 1"/>
+          <p:cNvSpPr>
+            <a:spLocks noGrp="1"/>
+          </p:cNvSpPr>
+          <p:nvPr>
+            <p:ph type="title"/>
+          </p:nvPr>
+        </p:nvSpPr>
+        <p:spPr>
+          <a:xfrm>
+            <a:off x="685801" y="609601"/>
+            <a:ext cx="10131425" cy="927652"/>
+          </a:xfrm>
+        </p:spPr>
+        <p:txBody>
+          <a:bodyPr/>
+          <a:lstStyle/>
+          <a:p>
+            <a:r>
+              <a:rPr lang="pt-BR" dirty="0"/>
+              <a:t>Serviço inacessivel </a:t>
+            </a:r>
+          </a:p>
+        </p:txBody>
+      </p:sp>
+      <p:sp>
+        <p:nvSpPr>
+          <p:cNvPr id="4" name="TextBox 3"/>
+          <p:cNvSpPr txBox="1"/>
+          <p:nvPr/>
+        </p:nvSpPr>
+        <p:spPr>
+          <a:xfrm>
+            <a:off x="715617" y="2319130"/>
+            <a:ext cx="10588487" cy="3416320"/>
+          </a:xfrm>
+          <a:prstGeom prst="rect">
+            <a:avLst/>
+          </a:prstGeom>
+          <a:noFill/>
+        </p:spPr>
+        <p:txBody>
+          <a:bodyPr wrap="square" rtlCol="0">
+            <a:spAutoFit/>
+          </a:bodyPr>
+          <a:lstStyle/>
+          <a:p>
+            <a:r>
+              <a:rPr lang="pt-BR" sz="2400" dirty="0">
+                <a:latin typeface="Ubuntu" panose="020B0504030602030204" pitchFamily="34" charset="0"/>
+              </a:rPr>
+              <a:t>Diferente do REST, o serviço disponibilizado com SOAP segue uma interface, isto é, não é possível acessá-lo a partir de uma URL. Somente a partir do serviço. A vantagem é que o serviço se torna mais seguro, porém, menos performático, uma vez que o REST é apenas texto.</a:t>
+            </a:r>
+          </a:p>
+          <a:p>
+            <a:endParaRPr lang="pt-BR" sz="2400" dirty="0">
+              <a:latin typeface="Ubuntu" panose="020B0504030602030204" pitchFamily="34" charset="0"/>
+            </a:endParaRPr>
+          </a:p>
+          <a:p>
+            <a:pPr algn="ctr"/>
+            <a:r>
+              <a:rPr lang="pt-BR" sz="2400" dirty="0">
+                <a:latin typeface="Ubuntu" panose="020B0504030602030204" pitchFamily="34" charset="0"/>
+              </a:rPr>
+              <a:t>Quer aprender a implementar um Webservice SOAP, siga o código de </a:t>
+            </a:r>
+            <a:r>
+              <a:rPr lang="pt-BR" sz="2400" dirty="0">
+                <a:latin typeface="Ubuntu" panose="020B0504030602030204" pitchFamily="34" charset="0"/>
+                <a:hlinkClick r:id="rId2"/>
+              </a:rPr>
+              <a:t>webservicesoap</a:t>
+            </a:r>
+            <a:endParaRPr lang="pt-BR" sz="2400" dirty="0">
+              <a:latin typeface="Ubuntu" panose="020B0504030602030204" pitchFamily="34" charset="0"/>
+            </a:endParaRPr>
+          </a:p>
+          <a:p>
+            <a:pPr algn="ctr"/>
+            <a:endParaRPr lang="pt-BR" sz="2400" dirty="0">
+              <a:latin typeface="Ubuntu" panose="020B0504030602030204" pitchFamily="34" charset="0"/>
+            </a:endParaRPr>
+          </a:p>
+          <a:p>
+            <a:pPr algn="ctr"/>
+            <a:r>
+              <a:rPr lang="pt-BR" sz="2400" dirty="0">
+                <a:latin typeface="Ubuntu" panose="020B0504030602030204" pitchFamily="34" charset="0"/>
+              </a:rPr>
+              <a:t>Veja dicas sobre </a:t>
+            </a:r>
+            <a:r>
+              <a:rPr lang="pt-BR" sz="2400" dirty="0">
+                <a:latin typeface="Ubuntu" panose="020B0504030602030204" pitchFamily="34" charset="0"/>
+                <a:hlinkClick r:id="rId3"/>
+              </a:rPr>
+              <a:t>JAXB</a:t>
+            </a:r>
+            <a:r>
+              <a:rPr lang="pt-BR" sz="2400" dirty="0">
+                <a:latin typeface="Ubuntu" panose="020B0504030602030204" pitchFamily="34" charset="0"/>
+              </a:rPr>
+              <a:t> no blog no Vogella (altamente recomendado)</a:t>
+            </a:r>
+          </a:p>
+        </p:txBody>
+      </p:sp>
+    </p:spTree>
+    <p:extLst>
+      <p:ext uri="{BB962C8B-B14F-4D97-AF65-F5344CB8AC3E}">
+        <p14:creationId xmlns:p14="http://schemas.microsoft.com/office/powerpoint/2010/main" val="509329698"/>
       </p:ext>
     </p:extLst>
   </p:cSld>
